--- a/大论文/研究内容和研究方案图.pptx
+++ b/大论文/研究内容和研究方案图.pptx
@@ -217,7 +217,7 @@
           <a:p>
             <a:fld id="{D2A48B96-639E-45A3-A0BA-2464DFDB1FAA}" type="datetimeFigureOut">
               <a:rPr lang="zh-CN" altLang="en-US" smtClean="0"/>
-              <a:t>2023/7/11</a:t>
+              <a:t>2023/7/21</a:t>
             </a:fld>
             <a:endParaRPr lang="zh-CN" altLang="en-US"/>
           </a:p>
@@ -1133,7 +1133,7 @@
           <a:p>
             <a:fld id="{760FBDFE-C587-4B4C-A407-44438C67B59E}" type="datetimeFigureOut">
               <a:rPr lang="zh-CN" altLang="en-US" smtClean="0"/>
-              <a:t>2023/7/11</a:t>
+              <a:t>2023/7/21</a:t>
             </a:fld>
             <a:endParaRPr lang="zh-CN" altLang="en-US"/>
           </a:p>
@@ -1232,7 +1232,7 @@
           <a:p>
             <a:fld id="{760FBDFE-C587-4B4C-A407-44438C67B59E}" type="datetimeFigureOut">
               <a:rPr lang="zh-CN" altLang="en-US" smtClean="0"/>
-              <a:t>2023/7/11</a:t>
+              <a:t>2023/7/21</a:t>
             </a:fld>
             <a:endParaRPr lang="zh-CN" altLang="en-US"/>
           </a:p>
@@ -1390,7 +1390,7 @@
           <a:p>
             <a:fld id="{760FBDFE-C587-4B4C-A407-44438C67B59E}" type="datetimeFigureOut">
               <a:rPr lang="zh-CN" altLang="en-US" smtClean="0"/>
-              <a:t>2023/7/11</a:t>
+              <a:t>2023/7/21</a:t>
             </a:fld>
             <a:endParaRPr lang="zh-CN" altLang="en-US"/>
           </a:p>
@@ -1675,7 +1675,7 @@
           <a:p>
             <a:fld id="{760FBDFE-C587-4B4C-A407-44438C67B59E}" type="datetimeFigureOut">
               <a:rPr lang="zh-CN" altLang="en-US" smtClean="0"/>
-              <a:t>2023/7/11</a:t>
+              <a:t>2023/7/21</a:t>
             </a:fld>
             <a:endParaRPr lang="zh-CN" altLang="en-US"/>
           </a:p>
@@ -1935,7 +1935,7 @@
           <a:p>
             <a:fld id="{760FBDFE-C587-4B4C-A407-44438C67B59E}" type="datetimeFigureOut">
               <a:rPr lang="zh-CN" altLang="en-US" smtClean="0"/>
-              <a:t>2023/7/11</a:t>
+              <a:t>2023/7/21</a:t>
             </a:fld>
             <a:endParaRPr lang="zh-CN" altLang="en-US"/>
           </a:p>
@@ -2201,7 +2201,7 @@
           <a:p>
             <a:fld id="{760FBDFE-C587-4B4C-A407-44438C67B59E}" type="datetimeFigureOut">
               <a:rPr lang="zh-CN" altLang="en-US" smtClean="0"/>
-              <a:t>2023/7/11</a:t>
+              <a:t>2023/7/21</a:t>
             </a:fld>
             <a:endParaRPr lang="zh-CN" altLang="en-US"/>
           </a:p>
@@ -2639,7 +2639,7 @@
           <a:p>
             <a:fld id="{760FBDFE-C587-4B4C-A407-44438C67B59E}" type="datetimeFigureOut">
               <a:rPr lang="zh-CN" altLang="en-US" smtClean="0"/>
-              <a:t>2023/7/11</a:t>
+              <a:t>2023/7/21</a:t>
             </a:fld>
             <a:endParaRPr lang="zh-CN" altLang="en-US"/>
           </a:p>
@@ -2773,7 +2773,7 @@
           <a:p>
             <a:fld id="{760FBDFE-C587-4B4C-A407-44438C67B59E}" type="datetimeFigureOut">
               <a:rPr lang="zh-CN" altLang="en-US" smtClean="0"/>
-              <a:t>2023/7/11</a:t>
+              <a:t>2023/7/21</a:t>
             </a:fld>
             <a:endParaRPr lang="zh-CN" altLang="en-US"/>
           </a:p>
@@ -2872,7 +2872,7 @@
           <a:p>
             <a:fld id="{760FBDFE-C587-4B4C-A407-44438C67B59E}" type="datetimeFigureOut">
               <a:rPr lang="zh-CN" altLang="en-US" smtClean="0"/>
-              <a:t>2023/7/11</a:t>
+              <a:t>2023/7/21</a:t>
             </a:fld>
             <a:endParaRPr lang="zh-CN" altLang="en-US"/>
           </a:p>
@@ -3048,7 +3048,7 @@
           <a:p>
             <a:fld id="{9EFD9D74-47D9-4702-A33C-335B63B48DBF}" type="datetimeFigureOut">
               <a:rPr lang="zh-CN" altLang="en-US" smtClean="0"/>
-              <a:t>2023/7/11</a:t>
+              <a:t>2023/7/21</a:t>
             </a:fld>
             <a:endParaRPr lang="zh-CN" altLang="en-US" dirty="0"/>
           </a:p>
@@ -3290,7 +3290,7 @@
           <a:p>
             <a:fld id="{760FBDFE-C587-4B4C-A407-44438C67B59E}" type="datetimeFigureOut">
               <a:rPr lang="zh-CN" altLang="en-US" smtClean="0"/>
-              <a:t>2023/7/11</a:t>
+              <a:t>2023/7/21</a:t>
             </a:fld>
             <a:endParaRPr lang="zh-CN" altLang="en-US"/>
           </a:p>
@@ -3518,7 +3518,7 @@
           <a:p>
             <a:fld id="{760FBDFE-C587-4B4C-A407-44438C67B59E}" type="datetimeFigureOut">
               <a:rPr lang="zh-CN" altLang="en-US" smtClean="0"/>
-              <a:t>2023/7/11</a:t>
+              <a:t>2023/7/21</a:t>
             </a:fld>
             <a:endParaRPr lang="zh-CN" altLang="en-US"/>
           </a:p>
@@ -5719,7 +5719,7 @@
                     <a:ea typeface="KaiTi" charset="-122"/>
                     <a:cs typeface="KaiTi" charset="-122"/>
                   </a:rPr>
-                  <a:t>易部署低功耗的光电混合数据中心网络</a:t>
+                  <a:t>易部署低功耗的可重构数据中心网络</a:t>
                 </a:r>
               </a:p>
             </p:txBody>
@@ -5756,7 +5756,7 @@
                     <a:ea typeface="KaiTi" charset="-122"/>
                     <a:cs typeface="KaiTi" charset="-122"/>
                   </a:rPr>
-                  <a:t>光电混合数据中心设计与优化</a:t>
+                  <a:t>可重构数据中心设计与优化</a:t>
                 </a:r>
                 <a:endParaRPr lang="en-US" altLang="zh-CN" b="1" dirty="0">
                   <a:latin typeface="KaiTi" charset="-122"/>
@@ -6053,7 +6053,7 @@
                     <a:ea typeface="KaiTi" charset="-122"/>
                     <a:cs typeface="KaiTi" charset="-122"/>
                   </a:rPr>
-                  <a:t>光电混合数据中心策略升级</a:t>
+                  <a:t>可重构数据中心策略升级</a:t>
                 </a:r>
               </a:p>
             </p:txBody>
@@ -10521,27 +10521,8 @@
                   <a:ea typeface="KaiTi" charset="-122"/>
                   <a:cs typeface="KaiTi" charset="-122"/>
                 </a:rPr>
-                <a:t>辅助光电混合</a:t>
+                <a:t>辅助可重构数据中心设计</a:t>
               </a:r>
-              <a:r>
-                <a:rPr lang="zh-CN" altLang="en-US" sz="1200" b="1">
-                  <a:solidFill>
-                    <a:schemeClr val="tx1"/>
-                  </a:solidFill>
-                  <a:latin typeface="KaiTi" charset="-122"/>
-                  <a:ea typeface="KaiTi" charset="-122"/>
-                  <a:cs typeface="KaiTi" charset="-122"/>
-                </a:rPr>
-                <a:t>数据中心设计</a:t>
-              </a:r>
-              <a:endParaRPr lang="zh-CN" altLang="en-US" sz="1200" b="1" dirty="0">
-                <a:solidFill>
-                  <a:schemeClr val="tx1"/>
-                </a:solidFill>
-                <a:latin typeface="KaiTi" charset="-122"/>
-                <a:ea typeface="KaiTi" charset="-122"/>
-                <a:cs typeface="KaiTi" charset="-122"/>
-              </a:endParaRPr>
             </a:p>
           </p:txBody>
         </p:sp>
@@ -10644,7 +10625,7 @@
                 <a:ea typeface="KaiTi" charset="-122"/>
                 <a:cs typeface="KaiTi" charset="-122"/>
               </a:rPr>
-              <a:t>易部署低功耗的光电混合数据中心网络</a:t>
+              <a:t>易部署低功耗的可重构数据中心网络</a:t>
             </a:r>
           </a:p>
         </p:txBody>
@@ -10681,7 +10662,7 @@
                 <a:ea typeface="KaiTi" charset="-122"/>
                 <a:cs typeface="KaiTi" charset="-122"/>
               </a:rPr>
-              <a:t>光电混合数据中心设计与优化</a:t>
+              <a:t>可重构数据中心设计与优化</a:t>
             </a:r>
             <a:endParaRPr lang="en-US" altLang="zh-CN" b="1" dirty="0">
               <a:latin typeface="KaiTi" charset="-122"/>
@@ -10978,7 +10959,7 @@
                 <a:ea typeface="KaiTi" charset="-122"/>
                 <a:cs typeface="KaiTi" charset="-122"/>
               </a:rPr>
-              <a:t>光电混合数据中心策略升级</a:t>
+              <a:t>可重构数据中心策略升级</a:t>
             </a:r>
           </a:p>
         </p:txBody>
@@ -12041,7 +12022,7 @@
                 <a:cs typeface="KaiTi" charset="-122"/>
                 <a:sym typeface="+mn-ea"/>
               </a:rPr>
-              <a:t>应用于光电混合网络</a:t>
+              <a:t>应用于可重构网络</a:t>
             </a:r>
           </a:p>
         </p:txBody>
@@ -12699,27 +12680,8 @@
                 <a:ea typeface="KaiTi" charset="-122"/>
                 <a:cs typeface="KaiTi" charset="-122"/>
               </a:rPr>
-              <a:t>辅助光电混合</a:t>
-            </a:r>
-            <a:r>
-              <a:rPr lang="zh-CN" altLang="en-US" sz="1200" b="1">
-                <a:solidFill>
-                  <a:schemeClr val="tx1"/>
-                </a:solidFill>
-                <a:latin typeface="KaiTi" charset="-122"/>
-                <a:ea typeface="KaiTi" charset="-122"/>
-                <a:cs typeface="KaiTi" charset="-122"/>
-              </a:rPr>
-              <a:t>数据中心设计</a:t>
-            </a:r>
-            <a:endParaRPr lang="zh-CN" altLang="en-US" sz="1200" b="1" dirty="0">
-              <a:solidFill>
-                <a:schemeClr val="tx1"/>
-              </a:solidFill>
-              <a:latin typeface="KaiTi" charset="-122"/>
-              <a:ea typeface="KaiTi" charset="-122"/>
-              <a:cs typeface="KaiTi" charset="-122"/>
-            </a:endParaRPr>
+              <a:t>辅助可重构数据中心设计</a:t>
+            </a:r>
           </a:p>
         </p:txBody>
       </p:sp>
@@ -13286,7 +13248,7 @@
                 <a:ea typeface="KaiTi" charset="-122"/>
                 <a:cs typeface="KaiTi" charset="-122"/>
               </a:rPr>
-              <a:t>（高带宽低功耗的光电混合数据中心网络设计）</a:t>
+              <a:t>（高带宽低功耗的可重构数据中心网络设计）</a:t>
             </a:r>
             <a:endParaRPr lang="zh-CN" altLang="en-US" dirty="0">
               <a:solidFill>
@@ -13501,23 +13463,7 @@
                 <a:ea typeface="KaiTi" charset="-122"/>
                 <a:cs typeface="KaiTi" charset="-122"/>
               </a:rPr>
-              <a:t>基于光电</a:t>
-            </a:r>
-            <a:r>
-              <a:rPr kumimoji="1" lang="zh-CN" altLang="en-US">
-                <a:latin typeface="KaiTi" charset="-122"/>
-                <a:ea typeface="KaiTi" charset="-122"/>
-                <a:cs typeface="KaiTi" charset="-122"/>
-              </a:rPr>
-              <a:t>混合交换的物理</a:t>
-            </a:r>
-            <a:r>
-              <a:rPr kumimoji="1" lang="zh-CN" altLang="en-US" dirty="0">
-                <a:latin typeface="KaiTi" charset="-122"/>
-                <a:ea typeface="KaiTi" charset="-122"/>
-                <a:cs typeface="KaiTi" charset="-122"/>
-              </a:rPr>
-              <a:t>网络平台</a:t>
+              <a:t>基于可重构交换的物理网络平台</a:t>
             </a:r>
           </a:p>
         </p:txBody>
@@ -20651,7 +20597,7 @@
           <a:graphicData uri="http://schemas.openxmlformats.org/presentationml/2006/ole">
             <mc:AlternateContent xmlns:mc="http://schemas.openxmlformats.org/markup-compatibility/2006">
               <mc:Choice xmlns:v="urn:schemas-microsoft-com:vml" Requires="v">
-                <p:oleObj spid="_x0000_s3355" r:id="rId5" imgW="6623685" imgH="4583430" progId="Visio.Drawing.11">
+                <p:oleObj spid="_x0000_s3357" r:id="rId5" imgW="6623685" imgH="4583430" progId="Visio.Drawing.11">
                   <p:embed/>
                 </p:oleObj>
               </mc:Choice>
@@ -21717,7 +21663,7 @@
           <a:graphicData uri="http://schemas.openxmlformats.org/presentationml/2006/ole">
             <mc:AlternateContent xmlns:mc="http://schemas.openxmlformats.org/markup-compatibility/2006">
               <mc:Choice xmlns:v="urn:schemas-microsoft-com:vml" Requires="v">
-                <p:oleObj spid="_x0000_s3356" r:id="rId7" imgW="10649585" imgH="6099810" progId="Visio.Drawing.11">
+                <p:oleObj spid="_x0000_s3358" r:id="rId7" imgW="10649585" imgH="6099810" progId="Visio.Drawing.11">
                   <p:embed/>
                 </p:oleObj>
               </mc:Choice>
@@ -22973,7 +22919,7 @@
           <a:graphicData uri="http://schemas.openxmlformats.org/presentationml/2006/ole">
             <mc:AlternateContent xmlns:mc="http://schemas.openxmlformats.org/markup-compatibility/2006">
               <mc:Choice xmlns:v="urn:schemas-microsoft-com:vml" Requires="v">
-                <p:oleObj spid="_x0000_s4243" r:id="rId4" imgW="10649585" imgH="6099810" progId="Visio.Drawing.11">
+                <p:oleObj spid="_x0000_s4244" r:id="rId4" imgW="10649585" imgH="6099810" progId="Visio.Drawing.11">
                   <p:embed/>
                 </p:oleObj>
               </mc:Choice>

--- a/大论文/研究内容和研究方案图.pptx
+++ b/大论文/研究内容和研究方案图.pptx
@@ -5,7 +5,7 @@
     <p:sldMasterId id="2147483648" r:id="rId1"/>
   </p:sldMasterIdLst>
   <p:notesMasterIdLst>
-    <p:notesMasterId r:id="rId9"/>
+    <p:notesMasterId r:id="rId10"/>
   </p:notesMasterIdLst>
   <p:sldIdLst>
     <p:sldId id="432" r:id="rId2"/>
@@ -15,6 +15,7 @@
     <p:sldId id="433" r:id="rId6"/>
     <p:sldId id="409" r:id="rId7"/>
     <p:sldId id="410" r:id="rId8"/>
+    <p:sldId id="437" r:id="rId9"/>
   </p:sldIdLst>
   <p:sldSz cx="12192000" cy="6858000"/>
   <p:notesSz cx="6858000" cy="9144000"/>
@@ -217,7 +218,7 @@
           <a:p>
             <a:fld id="{D2A48B96-639E-45A3-A0BA-2464DFDB1FAA}" type="datetimeFigureOut">
               <a:rPr lang="zh-CN" altLang="en-US" smtClean="0"/>
-              <a:t>2023/7/21</a:t>
+              <a:t>2023/12/8</a:t>
             </a:fld>
             <a:endParaRPr lang="zh-CN" altLang="en-US"/>
           </a:p>
@@ -1133,7 +1134,7 @@
           <a:p>
             <a:fld id="{760FBDFE-C587-4B4C-A407-44438C67B59E}" type="datetimeFigureOut">
               <a:rPr lang="zh-CN" altLang="en-US" smtClean="0"/>
-              <a:t>2023/7/21</a:t>
+              <a:t>2023/12/8</a:t>
             </a:fld>
             <a:endParaRPr lang="zh-CN" altLang="en-US"/>
           </a:p>
@@ -1232,7 +1233,7 @@
           <a:p>
             <a:fld id="{760FBDFE-C587-4B4C-A407-44438C67B59E}" type="datetimeFigureOut">
               <a:rPr lang="zh-CN" altLang="en-US" smtClean="0"/>
-              <a:t>2023/7/21</a:t>
+              <a:t>2023/12/8</a:t>
             </a:fld>
             <a:endParaRPr lang="zh-CN" altLang="en-US"/>
           </a:p>
@@ -1390,7 +1391,7 @@
           <a:p>
             <a:fld id="{760FBDFE-C587-4B4C-A407-44438C67B59E}" type="datetimeFigureOut">
               <a:rPr lang="zh-CN" altLang="en-US" smtClean="0"/>
-              <a:t>2023/7/21</a:t>
+              <a:t>2023/12/8</a:t>
             </a:fld>
             <a:endParaRPr lang="zh-CN" altLang="en-US"/>
           </a:p>
@@ -1675,7 +1676,7 @@
           <a:p>
             <a:fld id="{760FBDFE-C587-4B4C-A407-44438C67B59E}" type="datetimeFigureOut">
               <a:rPr lang="zh-CN" altLang="en-US" smtClean="0"/>
-              <a:t>2023/7/21</a:t>
+              <a:t>2023/12/8</a:t>
             </a:fld>
             <a:endParaRPr lang="zh-CN" altLang="en-US"/>
           </a:p>
@@ -1935,7 +1936,7 @@
           <a:p>
             <a:fld id="{760FBDFE-C587-4B4C-A407-44438C67B59E}" type="datetimeFigureOut">
               <a:rPr lang="zh-CN" altLang="en-US" smtClean="0"/>
-              <a:t>2023/7/21</a:t>
+              <a:t>2023/12/8</a:t>
             </a:fld>
             <a:endParaRPr lang="zh-CN" altLang="en-US"/>
           </a:p>
@@ -2201,7 +2202,7 @@
           <a:p>
             <a:fld id="{760FBDFE-C587-4B4C-A407-44438C67B59E}" type="datetimeFigureOut">
               <a:rPr lang="zh-CN" altLang="en-US" smtClean="0"/>
-              <a:t>2023/7/21</a:t>
+              <a:t>2023/12/8</a:t>
             </a:fld>
             <a:endParaRPr lang="zh-CN" altLang="en-US"/>
           </a:p>
@@ -2639,7 +2640,7 @@
           <a:p>
             <a:fld id="{760FBDFE-C587-4B4C-A407-44438C67B59E}" type="datetimeFigureOut">
               <a:rPr lang="zh-CN" altLang="en-US" smtClean="0"/>
-              <a:t>2023/7/21</a:t>
+              <a:t>2023/12/8</a:t>
             </a:fld>
             <a:endParaRPr lang="zh-CN" altLang="en-US"/>
           </a:p>
@@ -2773,7 +2774,7 @@
           <a:p>
             <a:fld id="{760FBDFE-C587-4B4C-A407-44438C67B59E}" type="datetimeFigureOut">
               <a:rPr lang="zh-CN" altLang="en-US" smtClean="0"/>
-              <a:t>2023/7/21</a:t>
+              <a:t>2023/12/8</a:t>
             </a:fld>
             <a:endParaRPr lang="zh-CN" altLang="en-US"/>
           </a:p>
@@ -2872,7 +2873,7 @@
           <a:p>
             <a:fld id="{760FBDFE-C587-4B4C-A407-44438C67B59E}" type="datetimeFigureOut">
               <a:rPr lang="zh-CN" altLang="en-US" smtClean="0"/>
-              <a:t>2023/7/21</a:t>
+              <a:t>2023/12/8</a:t>
             </a:fld>
             <a:endParaRPr lang="zh-CN" altLang="en-US"/>
           </a:p>
@@ -3048,7 +3049,7 @@
           <a:p>
             <a:fld id="{9EFD9D74-47D9-4702-A33C-335B63B48DBF}" type="datetimeFigureOut">
               <a:rPr lang="zh-CN" altLang="en-US" smtClean="0"/>
-              <a:t>2023/7/21</a:t>
+              <a:t>2023/12/8</a:t>
             </a:fld>
             <a:endParaRPr lang="zh-CN" altLang="en-US" dirty="0"/>
           </a:p>
@@ -3290,7 +3291,7 @@
           <a:p>
             <a:fld id="{760FBDFE-C587-4B4C-A407-44438C67B59E}" type="datetimeFigureOut">
               <a:rPr lang="zh-CN" altLang="en-US" smtClean="0"/>
-              <a:t>2023/7/21</a:t>
+              <a:t>2023/12/8</a:t>
             </a:fld>
             <a:endParaRPr lang="zh-CN" altLang="en-US"/>
           </a:p>
@@ -3518,7 +3519,7 @@
           <a:p>
             <a:fld id="{760FBDFE-C587-4B4C-A407-44438C67B59E}" type="datetimeFigureOut">
               <a:rPr lang="zh-CN" altLang="en-US" smtClean="0"/>
-              <a:t>2023/7/21</a:t>
+              <a:t>2023/12/8</a:t>
             </a:fld>
             <a:endParaRPr lang="zh-CN" altLang="en-US"/>
           </a:p>
@@ -20597,7 +20598,7 @@
           <a:graphicData uri="http://schemas.openxmlformats.org/presentationml/2006/ole">
             <mc:AlternateContent xmlns:mc="http://schemas.openxmlformats.org/markup-compatibility/2006">
               <mc:Choice xmlns:v="urn:schemas-microsoft-com:vml" Requires="v">
-                <p:oleObj spid="_x0000_s3357" r:id="rId5" imgW="6623685" imgH="4583430" progId="Visio.Drawing.11">
+                <p:oleObj spid="_x0000_s3361" r:id="rId5" imgW="6623685" imgH="4583430" progId="Visio.Drawing.11">
                   <p:embed/>
                 </p:oleObj>
               </mc:Choice>
@@ -21663,7 +21664,7 @@
           <a:graphicData uri="http://schemas.openxmlformats.org/presentationml/2006/ole">
             <mc:AlternateContent xmlns:mc="http://schemas.openxmlformats.org/markup-compatibility/2006">
               <mc:Choice xmlns:v="urn:schemas-microsoft-com:vml" Requires="v">
-                <p:oleObj spid="_x0000_s3358" r:id="rId7" imgW="10649585" imgH="6099810" progId="Visio.Drawing.11">
+                <p:oleObj spid="_x0000_s3362" r:id="rId7" imgW="10649585" imgH="6099810" progId="Visio.Drawing.11">
                   <p:embed/>
                 </p:oleObj>
               </mc:Choice>
@@ -22919,7 +22920,7 @@
           <a:graphicData uri="http://schemas.openxmlformats.org/presentationml/2006/ole">
             <mc:AlternateContent xmlns:mc="http://schemas.openxmlformats.org/markup-compatibility/2006">
               <mc:Choice xmlns:v="urn:schemas-microsoft-com:vml" Requires="v">
-                <p:oleObj spid="_x0000_s4244" r:id="rId4" imgW="10649585" imgH="6099810" progId="Visio.Drawing.11">
+                <p:oleObj spid="_x0000_s4246" r:id="rId4" imgW="10649585" imgH="6099810" progId="Visio.Drawing.11">
                   <p:embed/>
                 </p:oleObj>
               </mc:Choice>
@@ -24640,6 +24641,3625 @@
     <p:custDataLst>
       <p:tags r:id="rId2"/>
     </p:custDataLst>
+  </p:cSld>
+  <p:clrMapOvr>
+    <a:masterClrMapping/>
+  </p:clrMapOvr>
+</p:sld>
+</file>
+
+<file path=ppt/slides/slide8.xml><?xml version="1.0" encoding="utf-8"?>
+<p:sld xmlns:a="http://schemas.openxmlformats.org/drawingml/2006/main" xmlns:r="http://schemas.openxmlformats.org/officeDocument/2006/relationships" xmlns:p="http://schemas.openxmlformats.org/presentationml/2006/main">
+  <p:cSld>
+    <p:spTree>
+      <p:nvGrpSpPr>
+        <p:cNvPr id="1" name=""/>
+        <p:cNvGrpSpPr/>
+        <p:nvPr/>
+      </p:nvGrpSpPr>
+      <p:grpSpPr>
+        <a:xfrm>
+          <a:off x="0" y="0"/>
+          <a:ext cx="0" cy="0"/>
+          <a:chOff x="0" y="0"/>
+          <a:chExt cx="0" cy="0"/>
+        </a:xfrm>
+      </p:grpSpPr>
+      <p:grpSp>
+        <p:nvGrpSpPr>
+          <p:cNvPr id="4" name="组合 3">
+            <a:extLst>
+              <a:ext uri="{FF2B5EF4-FFF2-40B4-BE49-F238E27FC236}">
+                <a16:creationId xmlns:a16="http://schemas.microsoft.com/office/drawing/2014/main" id="{AEDA2455-7E99-2E4E-823B-66875EAF1A0B}"/>
+              </a:ext>
+            </a:extLst>
+          </p:cNvPr>
+          <p:cNvGrpSpPr/>
+          <p:nvPr/>
+        </p:nvGrpSpPr>
+        <p:grpSpPr>
+          <a:xfrm>
+            <a:off x="458040" y="807668"/>
+            <a:ext cx="11333463" cy="5079984"/>
+            <a:chOff x="376766" y="1178829"/>
+            <a:chExt cx="11896819" cy="5526769"/>
+          </a:xfrm>
+        </p:grpSpPr>
+        <p:sp>
+          <p:nvSpPr>
+            <p:cNvPr id="5" name="矩形: 圆角 1">
+              <a:extLst>
+                <a:ext uri="{FF2B5EF4-FFF2-40B4-BE49-F238E27FC236}">
+                  <a16:creationId xmlns:a16="http://schemas.microsoft.com/office/drawing/2014/main" id="{B8C13C31-ABE0-2D48-AB66-3BCE498FF98B}"/>
+                </a:ext>
+              </a:extLst>
+            </p:cNvPr>
+            <p:cNvSpPr/>
+            <p:nvPr/>
+          </p:nvSpPr>
+          <p:spPr>
+            <a:xfrm>
+              <a:off x="376766" y="1230898"/>
+              <a:ext cx="2626561" cy="5474700"/>
+            </a:xfrm>
+            <a:prstGeom prst="roundRect">
+              <a:avLst>
+                <a:gd name="adj" fmla="val 4696"/>
+              </a:avLst>
+            </a:prstGeom>
+            <a:noFill/>
+            <a:ln w="22225">
+              <a:solidFill>
+                <a:srgbClr val="A32824">
+                  <a:alpha val="99000"/>
+                </a:srgbClr>
+              </a:solidFill>
+              <a:prstDash val="sysDash"/>
+              <a:round/>
+            </a:ln>
+          </p:spPr>
+          <p:style>
+            <a:lnRef idx="2">
+              <a:schemeClr val="accent1">
+                <a:shade val="50000"/>
+              </a:schemeClr>
+            </a:lnRef>
+            <a:fillRef idx="1">
+              <a:schemeClr val="accent1"/>
+            </a:fillRef>
+            <a:effectRef idx="0">
+              <a:schemeClr val="accent1"/>
+            </a:effectRef>
+            <a:fontRef idx="minor">
+              <a:schemeClr val="lt1"/>
+            </a:fontRef>
+          </p:style>
+          <p:txBody>
+            <a:bodyPr rtlCol="0" anchor="ctr"/>
+            <a:lstStyle/>
+            <a:p>
+              <a:pPr algn="ctr"/>
+              <a:endParaRPr lang="zh-CN" altLang="en-US" dirty="0">
+                <a:latin typeface="Abadi" panose="020B0604020104020204" pitchFamily="34" charset="0"/>
+                <a:ea typeface="微软雅黑" panose="020B0503020204020204" pitchFamily="34" charset="-122"/>
+              </a:endParaRPr>
+            </a:p>
+          </p:txBody>
+        </p:sp>
+        <p:sp>
+          <p:nvSpPr>
+            <p:cNvPr id="6" name="圆角矩形 59">
+              <a:extLst>
+                <a:ext uri="{FF2B5EF4-FFF2-40B4-BE49-F238E27FC236}">
+                  <a16:creationId xmlns:a16="http://schemas.microsoft.com/office/drawing/2014/main" id="{C7801A8C-34D3-4245-A78A-203D7E5AD099}"/>
+                </a:ext>
+              </a:extLst>
+            </p:cNvPr>
+            <p:cNvSpPr/>
+            <p:nvPr/>
+          </p:nvSpPr>
+          <p:spPr>
+            <a:xfrm>
+              <a:off x="491031" y="1339986"/>
+              <a:ext cx="2395006" cy="5218365"/>
+            </a:xfrm>
+            <a:prstGeom prst="roundRect">
+              <a:avLst>
+                <a:gd name="adj" fmla="val 6970"/>
+              </a:avLst>
+            </a:prstGeom>
+            <a:solidFill>
+              <a:schemeClr val="bg1">
+                <a:lumMod val="95000"/>
+              </a:schemeClr>
+            </a:solidFill>
+            <a:ln w="12700" cap="flat" cmpd="sng" algn="ctr">
+              <a:noFill/>
+              <a:prstDash val="solid"/>
+              <a:miter lim="800000"/>
+            </a:ln>
+            <a:effectLst/>
+          </p:spPr>
+          <p:txBody>
+            <a:bodyPr lIns="73152" tIns="36576" rIns="73152" bIns="36576" rtlCol="0" anchor="ctr">
+              <a:noAutofit/>
+            </a:bodyPr>
+            <a:lstStyle>
+              <a:defPPr>
+                <a:defRPr lang="zh-CN"/>
+              </a:defPPr>
+              <a:lvl1pPr marL="0" algn="l" defTabSz="914400" rtl="0" eaLnBrk="1" latinLnBrk="0" hangingPunct="1">
+                <a:defRPr sz="1800" kern="1200">
+                  <a:solidFill>
+                    <a:schemeClr val="tx1"/>
+                  </a:solidFill>
+                  <a:latin typeface="+mn-lt"/>
+                  <a:ea typeface="+mn-ea"/>
+                  <a:cs typeface="+mn-cs"/>
+                </a:defRPr>
+              </a:lvl1pPr>
+              <a:lvl2pPr marL="457200" algn="l" defTabSz="914400" rtl="0" eaLnBrk="1" latinLnBrk="0" hangingPunct="1">
+                <a:defRPr sz="1800" kern="1200">
+                  <a:solidFill>
+                    <a:schemeClr val="tx1"/>
+                  </a:solidFill>
+                  <a:latin typeface="+mn-lt"/>
+                  <a:ea typeface="+mn-ea"/>
+                  <a:cs typeface="+mn-cs"/>
+                </a:defRPr>
+              </a:lvl2pPr>
+              <a:lvl3pPr marL="914400" algn="l" defTabSz="914400" rtl="0" eaLnBrk="1" latinLnBrk="0" hangingPunct="1">
+                <a:defRPr sz="1800" kern="1200">
+                  <a:solidFill>
+                    <a:schemeClr val="tx1"/>
+                  </a:solidFill>
+                  <a:latin typeface="+mn-lt"/>
+                  <a:ea typeface="+mn-ea"/>
+                  <a:cs typeface="+mn-cs"/>
+                </a:defRPr>
+              </a:lvl3pPr>
+              <a:lvl4pPr marL="1371600" algn="l" defTabSz="914400" rtl="0" eaLnBrk="1" latinLnBrk="0" hangingPunct="1">
+                <a:defRPr sz="1800" kern="1200">
+                  <a:solidFill>
+                    <a:schemeClr val="tx1"/>
+                  </a:solidFill>
+                  <a:latin typeface="+mn-lt"/>
+                  <a:ea typeface="+mn-ea"/>
+                  <a:cs typeface="+mn-cs"/>
+                </a:defRPr>
+              </a:lvl4pPr>
+              <a:lvl5pPr marL="1828800" algn="l" defTabSz="914400" rtl="0" eaLnBrk="1" latinLnBrk="0" hangingPunct="1">
+                <a:defRPr sz="1800" kern="1200">
+                  <a:solidFill>
+                    <a:schemeClr val="tx1"/>
+                  </a:solidFill>
+                  <a:latin typeface="+mn-lt"/>
+                  <a:ea typeface="+mn-ea"/>
+                  <a:cs typeface="+mn-cs"/>
+                </a:defRPr>
+              </a:lvl5pPr>
+              <a:lvl6pPr marL="2286000" algn="l" defTabSz="914400" rtl="0" eaLnBrk="1" latinLnBrk="0" hangingPunct="1">
+                <a:defRPr sz="1800" kern="1200">
+                  <a:solidFill>
+                    <a:schemeClr val="tx1"/>
+                  </a:solidFill>
+                  <a:latin typeface="+mn-lt"/>
+                  <a:ea typeface="+mn-ea"/>
+                  <a:cs typeface="+mn-cs"/>
+                </a:defRPr>
+              </a:lvl6pPr>
+              <a:lvl7pPr marL="2743200" algn="l" defTabSz="914400" rtl="0" eaLnBrk="1" latinLnBrk="0" hangingPunct="1">
+                <a:defRPr sz="1800" kern="1200">
+                  <a:solidFill>
+                    <a:schemeClr val="tx1"/>
+                  </a:solidFill>
+                  <a:latin typeface="+mn-lt"/>
+                  <a:ea typeface="+mn-ea"/>
+                  <a:cs typeface="+mn-cs"/>
+                </a:defRPr>
+              </a:lvl7pPr>
+              <a:lvl8pPr marL="3200400" algn="l" defTabSz="914400" rtl="0" eaLnBrk="1" latinLnBrk="0" hangingPunct="1">
+                <a:defRPr sz="1800" kern="1200">
+                  <a:solidFill>
+                    <a:schemeClr val="tx1"/>
+                  </a:solidFill>
+                  <a:latin typeface="+mn-lt"/>
+                  <a:ea typeface="+mn-ea"/>
+                  <a:cs typeface="+mn-cs"/>
+                </a:defRPr>
+              </a:lvl8pPr>
+              <a:lvl9pPr marL="3657600" algn="l" defTabSz="914400" rtl="0" eaLnBrk="1" latinLnBrk="0" hangingPunct="1">
+                <a:defRPr sz="1800" kern="1200">
+                  <a:solidFill>
+                    <a:schemeClr val="tx1"/>
+                  </a:solidFill>
+                  <a:latin typeface="+mn-lt"/>
+                  <a:ea typeface="+mn-ea"/>
+                  <a:cs typeface="+mn-cs"/>
+                </a:defRPr>
+              </a:lvl9pPr>
+            </a:lstStyle>
+            <a:p>
+              <a:pPr marL="0" marR="0" lvl="0" indent="0" algn="ctr" defTabSz="914400" rtl="0" eaLnBrk="0" fontAlgn="auto" latinLnBrk="0" hangingPunct="0">
+                <a:lnSpc>
+                  <a:spcPct val="100000"/>
+                </a:lnSpc>
+                <a:spcBef>
+                  <a:spcPct val="20000"/>
+                </a:spcBef>
+                <a:spcAft>
+                  <a:spcPts val="0"/>
+                </a:spcAft>
+                <a:buClrTx/>
+                <a:buSzTx/>
+                <a:buFontTx/>
+                <a:buChar char="•"/>
+                <a:tabLst/>
+                <a:defRPr/>
+              </a:pPr>
+              <a:endParaRPr kumimoji="0" lang="zh-CN" altLang="en-US" sz="1440" b="0" i="0" u="none" strike="noStrike" kern="1200" cap="none" spc="0" normalizeH="0" baseline="0" noProof="0" dirty="0">
+                <a:ln>
+                  <a:noFill/>
+                </a:ln>
+                <a:solidFill>
+                  <a:prstClr val="white"/>
+                </a:solidFill>
+                <a:effectLst/>
+                <a:uLnTx/>
+                <a:uFillTx/>
+                <a:latin typeface="Arial"/>
+                <a:ea typeface="微软雅黑" panose="020B0503020204020204" pitchFamily="34" charset="-122"/>
+                <a:cs typeface="+mn-ea"/>
+                <a:sym typeface="+mn-lt"/>
+              </a:endParaRPr>
+            </a:p>
+          </p:txBody>
+        </p:sp>
+        <p:sp>
+          <p:nvSpPr>
+            <p:cNvPr id="7" name="矩形 6">
+              <a:extLst>
+                <a:ext uri="{FF2B5EF4-FFF2-40B4-BE49-F238E27FC236}">
+                  <a16:creationId xmlns:a16="http://schemas.microsoft.com/office/drawing/2014/main" id="{D0C4456E-6476-2740-9B05-876930F2CA42}"/>
+                </a:ext>
+              </a:extLst>
+            </p:cNvPr>
+            <p:cNvSpPr/>
+            <p:nvPr/>
+          </p:nvSpPr>
+          <p:spPr>
+            <a:xfrm>
+              <a:off x="839441" y="1413565"/>
+              <a:ext cx="1685131" cy="386966"/>
+            </a:xfrm>
+            <a:prstGeom prst="rect">
+              <a:avLst/>
+            </a:prstGeom>
+            <a:ln w="19050">
+              <a:noFill/>
+            </a:ln>
+            <a:effectLst/>
+          </p:spPr>
+          <p:txBody>
+            <a:bodyPr wrap="none" lIns="0" tIns="0" rIns="0" bIns="0" anchor="ctr" anchorCtr="0">
+              <a:noAutofit/>
+            </a:bodyPr>
+            <a:lstStyle>
+              <a:defPPr>
+                <a:defRPr lang="zh-CN"/>
+              </a:defPPr>
+              <a:lvl1pPr marL="0" algn="l" defTabSz="914400" rtl="0" eaLnBrk="1" latinLnBrk="0" hangingPunct="1">
+                <a:defRPr sz="1800" kern="1200">
+                  <a:solidFill>
+                    <a:schemeClr val="tx1"/>
+                  </a:solidFill>
+                </a:defRPr>
+              </a:lvl1pPr>
+              <a:lvl2pPr marL="457200" algn="l" defTabSz="914400" rtl="0" eaLnBrk="1" latinLnBrk="0" hangingPunct="1">
+                <a:defRPr sz="1800" kern="1200">
+                  <a:solidFill>
+                    <a:schemeClr val="tx1"/>
+                  </a:solidFill>
+                </a:defRPr>
+              </a:lvl2pPr>
+              <a:lvl3pPr marL="914400" algn="l" defTabSz="914400" rtl="0" eaLnBrk="1" latinLnBrk="0" hangingPunct="1">
+                <a:defRPr sz="1800" kern="1200">
+                  <a:solidFill>
+                    <a:schemeClr val="tx1"/>
+                  </a:solidFill>
+                </a:defRPr>
+              </a:lvl3pPr>
+              <a:lvl4pPr marL="1371600" algn="l" defTabSz="914400" rtl="0" eaLnBrk="1" latinLnBrk="0" hangingPunct="1">
+                <a:defRPr sz="1800" kern="1200">
+                  <a:solidFill>
+                    <a:schemeClr val="tx1"/>
+                  </a:solidFill>
+                </a:defRPr>
+              </a:lvl4pPr>
+              <a:lvl5pPr marL="1828800" algn="l" defTabSz="914400" rtl="0" eaLnBrk="1" latinLnBrk="0" hangingPunct="1">
+                <a:defRPr sz="1800" kern="1200">
+                  <a:solidFill>
+                    <a:schemeClr val="tx1"/>
+                  </a:solidFill>
+                </a:defRPr>
+              </a:lvl5pPr>
+              <a:lvl6pPr marL="2286000" algn="l" defTabSz="914400" rtl="0" eaLnBrk="1" latinLnBrk="0" hangingPunct="1">
+                <a:defRPr sz="1800" kern="1200">
+                  <a:solidFill>
+                    <a:schemeClr val="tx1"/>
+                  </a:solidFill>
+                </a:defRPr>
+              </a:lvl6pPr>
+              <a:lvl7pPr marL="2743200" algn="l" defTabSz="914400" rtl="0" eaLnBrk="1" latinLnBrk="0" hangingPunct="1">
+                <a:defRPr sz="1800" kern="1200">
+                  <a:solidFill>
+                    <a:schemeClr val="tx1"/>
+                  </a:solidFill>
+                </a:defRPr>
+              </a:lvl7pPr>
+              <a:lvl8pPr marL="3200400" algn="l" defTabSz="914400" rtl="0" eaLnBrk="1" latinLnBrk="0" hangingPunct="1">
+                <a:defRPr sz="1800" kern="1200">
+                  <a:solidFill>
+                    <a:schemeClr val="tx1"/>
+                  </a:solidFill>
+                </a:defRPr>
+              </a:lvl8pPr>
+              <a:lvl9pPr marL="3657600" algn="l" defTabSz="914400" rtl="0" eaLnBrk="1" latinLnBrk="0" hangingPunct="1">
+                <a:defRPr sz="1800" kern="1200">
+                  <a:solidFill>
+                    <a:schemeClr val="tx1"/>
+                  </a:solidFill>
+                </a:defRPr>
+              </a:lvl9pPr>
+            </a:lstStyle>
+            <a:p>
+              <a:pPr lvl="0" algn="ctr">
+                <a:lnSpc>
+                  <a:spcPct val="100000"/>
+                </a:lnSpc>
+                <a:defRPr/>
+              </a:pPr>
+              <a:r>
+                <a:rPr lang="zh-CN" altLang="en-US" b="1">
+                  <a:solidFill>
+                    <a:srgbClr val="C00000"/>
+                  </a:solidFill>
+                  <a:latin typeface="Arial"/>
+                  <a:ea typeface="微软雅黑" panose="020B0503020204020204" pitchFamily="34" charset="-122"/>
+                  <a:cs typeface="+mn-ea"/>
+                  <a:sym typeface="+mn-lt"/>
+                </a:rPr>
+                <a:t>主要挑战</a:t>
+              </a:r>
+              <a:endParaRPr lang="zh-CN" altLang="en-US" b="1" dirty="0">
+                <a:solidFill>
+                  <a:srgbClr val="C00000"/>
+                </a:solidFill>
+                <a:latin typeface="Arial"/>
+                <a:ea typeface="微软雅黑" panose="020B0503020204020204" pitchFamily="34" charset="-122"/>
+                <a:cs typeface="+mn-ea"/>
+                <a:sym typeface="+mn-lt"/>
+              </a:endParaRPr>
+            </a:p>
+          </p:txBody>
+        </p:sp>
+        <p:pic>
+          <p:nvPicPr>
+            <p:cNvPr id="8" name="图片 7">
+              <a:extLst>
+                <a:ext uri="{FF2B5EF4-FFF2-40B4-BE49-F238E27FC236}">
+                  <a16:creationId xmlns:a16="http://schemas.microsoft.com/office/drawing/2014/main" id="{50C074A2-86B3-8048-9349-BA9030484665}"/>
+                </a:ext>
+              </a:extLst>
+            </p:cNvPr>
+            <p:cNvPicPr>
+              <a:picLocks noChangeAspect="1"/>
+            </p:cNvPicPr>
+            <p:nvPr/>
+          </p:nvPicPr>
+          <p:blipFill>
+            <a:blip r:embed="rId2"/>
+            <a:stretch/>
+          </p:blipFill>
+          <p:spPr>
+            <a:xfrm>
+              <a:off x="553951" y="1826867"/>
+              <a:ext cx="2228433" cy="1330569"/>
+            </a:xfrm>
+            <a:prstGeom prst="rect">
+              <a:avLst/>
+            </a:prstGeom>
+          </p:spPr>
+        </p:pic>
+        <p:sp>
+          <p:nvSpPr>
+            <p:cNvPr id="9" name="文本框 8">
+              <a:extLst>
+                <a:ext uri="{FF2B5EF4-FFF2-40B4-BE49-F238E27FC236}">
+                  <a16:creationId xmlns:a16="http://schemas.microsoft.com/office/drawing/2014/main" id="{8B060FBF-188C-BC4F-87EC-0DE66B6B9229}"/>
+                </a:ext>
+              </a:extLst>
+            </p:cNvPr>
+            <p:cNvSpPr txBox="1"/>
+            <p:nvPr/>
+          </p:nvSpPr>
+          <p:spPr>
+            <a:xfrm>
+              <a:off x="477619" y="1178829"/>
+              <a:ext cx="2387777" cy="650508"/>
+            </a:xfrm>
+            <a:prstGeom prst="rect">
+              <a:avLst/>
+            </a:prstGeom>
+            <a:noFill/>
+          </p:spPr>
+          <p:txBody>
+            <a:bodyPr wrap="square">
+              <a:spAutoFit/>
+            </a:bodyPr>
+            <a:lstStyle/>
+            <a:p>
+              <a:pPr algn="dist">
+                <a:defRPr/>
+              </a:pPr>
+              <a:r>
+                <a:rPr lang="en-US" altLang="zh-CN" sz="2800">
+                  <a:solidFill>
+                    <a:schemeClr val="bg1">
+                      <a:lumMod val="85000"/>
+                      <a:alpha val="23000"/>
+                    </a:schemeClr>
+                  </a:solidFill>
+                  <a:latin typeface="微软雅黑" panose="020B0503020204020204" pitchFamily="34" charset="-122"/>
+                  <a:ea typeface="思源黑体 CN Regular"/>
+                </a:rPr>
+                <a:t>CHALLENGE</a:t>
+              </a:r>
+              <a:endParaRPr lang="zh-CN" altLang="en-US" sz="2800">
+                <a:solidFill>
+                  <a:schemeClr val="bg1">
+                    <a:lumMod val="85000"/>
+                    <a:alpha val="23000"/>
+                  </a:schemeClr>
+                </a:solidFill>
+                <a:latin typeface="微软雅黑" panose="020B0503020204020204" pitchFamily="34" charset="-122"/>
+                <a:ea typeface="思源黑体 CN Regular"/>
+              </a:endParaRPr>
+            </a:p>
+          </p:txBody>
+        </p:sp>
+        <p:pic>
+          <p:nvPicPr>
+            <p:cNvPr id="10" name="图片 9">
+              <a:extLst>
+                <a:ext uri="{FF2B5EF4-FFF2-40B4-BE49-F238E27FC236}">
+                  <a16:creationId xmlns:a16="http://schemas.microsoft.com/office/drawing/2014/main" id="{34325893-58E0-7E42-AA94-8A5086E01D53}"/>
+                </a:ext>
+              </a:extLst>
+            </p:cNvPr>
+            <p:cNvPicPr>
+              <a:picLocks noChangeAspect="1"/>
+            </p:cNvPicPr>
+            <p:nvPr/>
+          </p:nvPicPr>
+          <p:blipFill>
+            <a:blip r:embed="rId3"/>
+            <a:stretch/>
+          </p:blipFill>
+          <p:spPr>
+            <a:xfrm>
+              <a:off x="553951" y="3339503"/>
+              <a:ext cx="2228433" cy="1364168"/>
+            </a:xfrm>
+            <a:prstGeom prst="rect">
+              <a:avLst/>
+            </a:prstGeom>
+          </p:spPr>
+        </p:pic>
+        <p:pic>
+          <p:nvPicPr>
+            <p:cNvPr id="11" name="图片 10">
+              <a:extLst>
+                <a:ext uri="{FF2B5EF4-FFF2-40B4-BE49-F238E27FC236}">
+                  <a16:creationId xmlns:a16="http://schemas.microsoft.com/office/drawing/2014/main" id="{27407AC2-D9CD-7D4C-A97E-0FBECAB3E559}"/>
+                </a:ext>
+              </a:extLst>
+            </p:cNvPr>
+            <p:cNvPicPr>
+              <a:picLocks noChangeAspect="1"/>
+            </p:cNvPicPr>
+            <p:nvPr/>
+          </p:nvPicPr>
+          <p:blipFill>
+            <a:blip r:embed="rId4"/>
+            <a:stretch/>
+          </p:blipFill>
+          <p:spPr>
+            <a:xfrm>
+              <a:off x="544119" y="4910131"/>
+              <a:ext cx="2264240" cy="1363785"/>
+            </a:xfrm>
+            <a:prstGeom prst="rect">
+              <a:avLst/>
+            </a:prstGeom>
+          </p:spPr>
+        </p:pic>
+        <p:sp>
+          <p:nvSpPr>
+            <p:cNvPr id="12" name="矩形: 圆角 30">
+              <a:extLst>
+                <a:ext uri="{FF2B5EF4-FFF2-40B4-BE49-F238E27FC236}">
+                  <a16:creationId xmlns:a16="http://schemas.microsoft.com/office/drawing/2014/main" id="{20B2E78E-B83A-DD4E-B332-D7E5EDEAD676}"/>
+                </a:ext>
+              </a:extLst>
+            </p:cNvPr>
+            <p:cNvSpPr/>
+            <p:nvPr/>
+          </p:nvSpPr>
+          <p:spPr>
+            <a:xfrm>
+              <a:off x="3670573" y="1230898"/>
+              <a:ext cx="2626561" cy="5474700"/>
+            </a:xfrm>
+            <a:prstGeom prst="roundRect">
+              <a:avLst>
+                <a:gd name="adj" fmla="val 4696"/>
+              </a:avLst>
+            </a:prstGeom>
+            <a:noFill/>
+            <a:ln w="22225">
+              <a:solidFill>
+                <a:srgbClr val="A32824">
+                  <a:alpha val="99000"/>
+                </a:srgbClr>
+              </a:solidFill>
+              <a:prstDash val="sysDash"/>
+              <a:round/>
+            </a:ln>
+          </p:spPr>
+          <p:style>
+            <a:lnRef idx="2">
+              <a:schemeClr val="accent1">
+                <a:shade val="50000"/>
+              </a:schemeClr>
+            </a:lnRef>
+            <a:fillRef idx="1">
+              <a:schemeClr val="accent1"/>
+            </a:fillRef>
+            <a:effectRef idx="0">
+              <a:schemeClr val="accent1"/>
+            </a:effectRef>
+            <a:fontRef idx="minor">
+              <a:schemeClr val="lt1"/>
+            </a:fontRef>
+          </p:style>
+          <p:txBody>
+            <a:bodyPr rtlCol="0" anchor="ctr"/>
+            <a:lstStyle/>
+            <a:p>
+              <a:pPr algn="ctr"/>
+              <a:endParaRPr lang="zh-CN" altLang="en-US" dirty="0">
+                <a:latin typeface="Abadi" panose="020B0604020104020204" pitchFamily="34" charset="0"/>
+                <a:ea typeface="微软雅黑" panose="020B0503020204020204" pitchFamily="34" charset="-122"/>
+              </a:endParaRPr>
+            </a:p>
+          </p:txBody>
+        </p:sp>
+        <p:sp>
+          <p:nvSpPr>
+            <p:cNvPr id="13" name="圆角矩形 59">
+              <a:extLst>
+                <a:ext uri="{FF2B5EF4-FFF2-40B4-BE49-F238E27FC236}">
+                  <a16:creationId xmlns:a16="http://schemas.microsoft.com/office/drawing/2014/main" id="{A7EC52EA-9342-E14B-9034-B3078D32B523}"/>
+                </a:ext>
+              </a:extLst>
+            </p:cNvPr>
+            <p:cNvSpPr/>
+            <p:nvPr/>
+          </p:nvSpPr>
+          <p:spPr>
+            <a:xfrm>
+              <a:off x="3789485" y="1320086"/>
+              <a:ext cx="2395006" cy="5218365"/>
+            </a:xfrm>
+            <a:prstGeom prst="roundRect">
+              <a:avLst>
+                <a:gd name="adj" fmla="val 6970"/>
+              </a:avLst>
+            </a:prstGeom>
+            <a:solidFill>
+              <a:schemeClr val="bg1">
+                <a:lumMod val="95000"/>
+              </a:schemeClr>
+            </a:solidFill>
+            <a:ln w="12700" cap="flat" cmpd="sng" algn="ctr">
+              <a:noFill/>
+              <a:prstDash val="solid"/>
+              <a:miter lim="800000"/>
+            </a:ln>
+            <a:effectLst/>
+          </p:spPr>
+          <p:txBody>
+            <a:bodyPr lIns="73152" tIns="36576" rIns="73152" bIns="36576" rtlCol="0" anchor="ctr">
+              <a:noAutofit/>
+            </a:bodyPr>
+            <a:lstStyle>
+              <a:defPPr>
+                <a:defRPr lang="zh-CN"/>
+              </a:defPPr>
+              <a:lvl1pPr marL="0" algn="l" defTabSz="914400" rtl="0" eaLnBrk="1" latinLnBrk="0" hangingPunct="1">
+                <a:defRPr sz="1800" kern="1200">
+                  <a:solidFill>
+                    <a:schemeClr val="tx1"/>
+                  </a:solidFill>
+                  <a:latin typeface="+mn-lt"/>
+                  <a:ea typeface="+mn-ea"/>
+                  <a:cs typeface="+mn-cs"/>
+                </a:defRPr>
+              </a:lvl1pPr>
+              <a:lvl2pPr marL="457200" algn="l" defTabSz="914400" rtl="0" eaLnBrk="1" latinLnBrk="0" hangingPunct="1">
+                <a:defRPr sz="1800" kern="1200">
+                  <a:solidFill>
+                    <a:schemeClr val="tx1"/>
+                  </a:solidFill>
+                  <a:latin typeface="+mn-lt"/>
+                  <a:ea typeface="+mn-ea"/>
+                  <a:cs typeface="+mn-cs"/>
+                </a:defRPr>
+              </a:lvl2pPr>
+              <a:lvl3pPr marL="914400" algn="l" defTabSz="914400" rtl="0" eaLnBrk="1" latinLnBrk="0" hangingPunct="1">
+                <a:defRPr sz="1800" kern="1200">
+                  <a:solidFill>
+                    <a:schemeClr val="tx1"/>
+                  </a:solidFill>
+                  <a:latin typeface="+mn-lt"/>
+                  <a:ea typeface="+mn-ea"/>
+                  <a:cs typeface="+mn-cs"/>
+                </a:defRPr>
+              </a:lvl3pPr>
+              <a:lvl4pPr marL="1371600" algn="l" defTabSz="914400" rtl="0" eaLnBrk="1" latinLnBrk="0" hangingPunct="1">
+                <a:defRPr sz="1800" kern="1200">
+                  <a:solidFill>
+                    <a:schemeClr val="tx1"/>
+                  </a:solidFill>
+                  <a:latin typeface="+mn-lt"/>
+                  <a:ea typeface="+mn-ea"/>
+                  <a:cs typeface="+mn-cs"/>
+                </a:defRPr>
+              </a:lvl4pPr>
+              <a:lvl5pPr marL="1828800" algn="l" defTabSz="914400" rtl="0" eaLnBrk="1" latinLnBrk="0" hangingPunct="1">
+                <a:defRPr sz="1800" kern="1200">
+                  <a:solidFill>
+                    <a:schemeClr val="tx1"/>
+                  </a:solidFill>
+                  <a:latin typeface="+mn-lt"/>
+                  <a:ea typeface="+mn-ea"/>
+                  <a:cs typeface="+mn-cs"/>
+                </a:defRPr>
+              </a:lvl5pPr>
+              <a:lvl6pPr marL="2286000" algn="l" defTabSz="914400" rtl="0" eaLnBrk="1" latinLnBrk="0" hangingPunct="1">
+                <a:defRPr sz="1800" kern="1200">
+                  <a:solidFill>
+                    <a:schemeClr val="tx1"/>
+                  </a:solidFill>
+                  <a:latin typeface="+mn-lt"/>
+                  <a:ea typeface="+mn-ea"/>
+                  <a:cs typeface="+mn-cs"/>
+                </a:defRPr>
+              </a:lvl6pPr>
+              <a:lvl7pPr marL="2743200" algn="l" defTabSz="914400" rtl="0" eaLnBrk="1" latinLnBrk="0" hangingPunct="1">
+                <a:defRPr sz="1800" kern="1200">
+                  <a:solidFill>
+                    <a:schemeClr val="tx1"/>
+                  </a:solidFill>
+                  <a:latin typeface="+mn-lt"/>
+                  <a:ea typeface="+mn-ea"/>
+                  <a:cs typeface="+mn-cs"/>
+                </a:defRPr>
+              </a:lvl7pPr>
+              <a:lvl8pPr marL="3200400" algn="l" defTabSz="914400" rtl="0" eaLnBrk="1" latinLnBrk="0" hangingPunct="1">
+                <a:defRPr sz="1800" kern="1200">
+                  <a:solidFill>
+                    <a:schemeClr val="tx1"/>
+                  </a:solidFill>
+                  <a:latin typeface="+mn-lt"/>
+                  <a:ea typeface="+mn-ea"/>
+                  <a:cs typeface="+mn-cs"/>
+                </a:defRPr>
+              </a:lvl8pPr>
+              <a:lvl9pPr marL="3657600" algn="l" defTabSz="914400" rtl="0" eaLnBrk="1" latinLnBrk="0" hangingPunct="1">
+                <a:defRPr sz="1800" kern="1200">
+                  <a:solidFill>
+                    <a:schemeClr val="tx1"/>
+                  </a:solidFill>
+                  <a:latin typeface="+mn-lt"/>
+                  <a:ea typeface="+mn-ea"/>
+                  <a:cs typeface="+mn-cs"/>
+                </a:defRPr>
+              </a:lvl9pPr>
+            </a:lstStyle>
+            <a:p>
+              <a:pPr algn="ctr" eaLnBrk="0" hangingPunct="0">
+                <a:lnSpc>
+                  <a:spcPct val="100000"/>
+                </a:lnSpc>
+                <a:spcBef>
+                  <a:spcPct val="20000"/>
+                </a:spcBef>
+                <a:buFontTx/>
+                <a:buChar char="•"/>
+              </a:pPr>
+              <a:endParaRPr lang="zh-CN" altLang="en-US" sz="1440" dirty="0">
+                <a:solidFill>
+                  <a:prstClr val="white"/>
+                </a:solidFill>
+                <a:latin typeface="Arial"/>
+                <a:ea typeface="微软雅黑" panose="020B0503020204020204" pitchFamily="34" charset="-122"/>
+                <a:cs typeface="+mn-ea"/>
+                <a:sym typeface="+mn-lt"/>
+              </a:endParaRPr>
+            </a:p>
+          </p:txBody>
+        </p:sp>
+        <p:sp>
+          <p:nvSpPr>
+            <p:cNvPr id="14" name="矩形 13">
+              <a:extLst>
+                <a:ext uri="{FF2B5EF4-FFF2-40B4-BE49-F238E27FC236}">
+                  <a16:creationId xmlns:a16="http://schemas.microsoft.com/office/drawing/2014/main" id="{58F66939-755A-F14D-ABA6-5A62400F5EE8}"/>
+                </a:ext>
+              </a:extLst>
+            </p:cNvPr>
+            <p:cNvSpPr/>
+            <p:nvPr/>
+          </p:nvSpPr>
+          <p:spPr>
+            <a:xfrm>
+              <a:off x="4133248" y="1413565"/>
+              <a:ext cx="1685131" cy="386966"/>
+            </a:xfrm>
+            <a:prstGeom prst="rect">
+              <a:avLst/>
+            </a:prstGeom>
+            <a:ln w="19050">
+              <a:noFill/>
+            </a:ln>
+            <a:effectLst/>
+          </p:spPr>
+          <p:txBody>
+            <a:bodyPr wrap="none" lIns="0" tIns="0" rIns="0" bIns="0" anchor="ctr" anchorCtr="0">
+              <a:noAutofit/>
+            </a:bodyPr>
+            <a:lstStyle>
+              <a:defPPr>
+                <a:defRPr lang="zh-CN"/>
+              </a:defPPr>
+              <a:lvl1pPr marL="0" algn="l" defTabSz="914400" rtl="0" eaLnBrk="1" latinLnBrk="0" hangingPunct="1">
+                <a:defRPr sz="1800" kern="1200">
+                  <a:solidFill>
+                    <a:schemeClr val="tx1"/>
+                  </a:solidFill>
+                </a:defRPr>
+              </a:lvl1pPr>
+              <a:lvl2pPr marL="457200" algn="l" defTabSz="914400" rtl="0" eaLnBrk="1" latinLnBrk="0" hangingPunct="1">
+                <a:defRPr sz="1800" kern="1200">
+                  <a:solidFill>
+                    <a:schemeClr val="tx1"/>
+                  </a:solidFill>
+                </a:defRPr>
+              </a:lvl2pPr>
+              <a:lvl3pPr marL="914400" algn="l" defTabSz="914400" rtl="0" eaLnBrk="1" latinLnBrk="0" hangingPunct="1">
+                <a:defRPr sz="1800" kern="1200">
+                  <a:solidFill>
+                    <a:schemeClr val="tx1"/>
+                  </a:solidFill>
+                </a:defRPr>
+              </a:lvl3pPr>
+              <a:lvl4pPr marL="1371600" algn="l" defTabSz="914400" rtl="0" eaLnBrk="1" latinLnBrk="0" hangingPunct="1">
+                <a:defRPr sz="1800" kern="1200">
+                  <a:solidFill>
+                    <a:schemeClr val="tx1"/>
+                  </a:solidFill>
+                </a:defRPr>
+              </a:lvl4pPr>
+              <a:lvl5pPr marL="1828800" algn="l" defTabSz="914400" rtl="0" eaLnBrk="1" latinLnBrk="0" hangingPunct="1">
+                <a:defRPr sz="1800" kern="1200">
+                  <a:solidFill>
+                    <a:schemeClr val="tx1"/>
+                  </a:solidFill>
+                </a:defRPr>
+              </a:lvl5pPr>
+              <a:lvl6pPr marL="2286000" algn="l" defTabSz="914400" rtl="0" eaLnBrk="1" latinLnBrk="0" hangingPunct="1">
+                <a:defRPr sz="1800" kern="1200">
+                  <a:solidFill>
+                    <a:schemeClr val="tx1"/>
+                  </a:solidFill>
+                </a:defRPr>
+              </a:lvl6pPr>
+              <a:lvl7pPr marL="2743200" algn="l" defTabSz="914400" rtl="0" eaLnBrk="1" latinLnBrk="0" hangingPunct="1">
+                <a:defRPr sz="1800" kern="1200">
+                  <a:solidFill>
+                    <a:schemeClr val="tx1"/>
+                  </a:solidFill>
+                </a:defRPr>
+              </a:lvl7pPr>
+              <a:lvl8pPr marL="3200400" algn="l" defTabSz="914400" rtl="0" eaLnBrk="1" latinLnBrk="0" hangingPunct="1">
+                <a:defRPr sz="1800" kern="1200">
+                  <a:solidFill>
+                    <a:schemeClr val="tx1"/>
+                  </a:solidFill>
+                </a:defRPr>
+              </a:lvl8pPr>
+              <a:lvl9pPr marL="3657600" algn="l" defTabSz="914400" rtl="0" eaLnBrk="1" latinLnBrk="0" hangingPunct="1">
+                <a:defRPr sz="1800" kern="1200">
+                  <a:solidFill>
+                    <a:schemeClr val="tx1"/>
+                  </a:solidFill>
+                </a:defRPr>
+              </a:lvl9pPr>
+            </a:lstStyle>
+            <a:p>
+              <a:pPr lvl="0" algn="ctr">
+                <a:lnSpc>
+                  <a:spcPct val="100000"/>
+                </a:lnSpc>
+                <a:defRPr/>
+              </a:pPr>
+              <a:r>
+                <a:rPr lang="zh-CN" altLang="en-US" b="1">
+                  <a:solidFill>
+                    <a:srgbClr val="C00000"/>
+                  </a:solidFill>
+                  <a:latin typeface="Arial"/>
+                  <a:ea typeface="微软雅黑" panose="020B0503020204020204" pitchFamily="34" charset="-122"/>
+                  <a:cs typeface="+mn-ea"/>
+                  <a:sym typeface="+mn-lt"/>
+                </a:rPr>
+                <a:t>研究工作</a:t>
+              </a:r>
+            </a:p>
+          </p:txBody>
+        </p:sp>
+        <p:sp>
+          <p:nvSpPr>
+            <p:cNvPr id="15" name="文本框 14">
+              <a:extLst>
+                <a:ext uri="{FF2B5EF4-FFF2-40B4-BE49-F238E27FC236}">
+                  <a16:creationId xmlns:a16="http://schemas.microsoft.com/office/drawing/2014/main" id="{E445CFE2-5CD3-F444-8103-1F74F058583E}"/>
+                </a:ext>
+              </a:extLst>
+            </p:cNvPr>
+            <p:cNvSpPr txBox="1"/>
+            <p:nvPr/>
+          </p:nvSpPr>
+          <p:spPr>
+            <a:xfrm>
+              <a:off x="3876056" y="1189631"/>
+              <a:ext cx="2299533" cy="650508"/>
+            </a:xfrm>
+            <a:prstGeom prst="rect">
+              <a:avLst/>
+            </a:prstGeom>
+            <a:noFill/>
+          </p:spPr>
+          <p:txBody>
+            <a:bodyPr wrap="square">
+              <a:spAutoFit/>
+            </a:bodyPr>
+            <a:lstStyle>
+              <a:defPPr>
+                <a:defRPr lang="zh-CN"/>
+              </a:defPPr>
+              <a:lvl1pPr algn="dist">
+                <a:defRPr sz="2800">
+                  <a:solidFill>
+                    <a:schemeClr val="bg1">
+                      <a:lumMod val="85000"/>
+                      <a:alpha val="23000"/>
+                    </a:schemeClr>
+                  </a:solidFill>
+                  <a:latin typeface="微软雅黑" panose="020B0503020204020204" pitchFamily="34" charset="-122"/>
+                  <a:ea typeface="思源黑体 CN Regular"/>
+                </a:defRPr>
+              </a:lvl1pPr>
+            </a:lstStyle>
+            <a:p>
+              <a:r>
+                <a:rPr lang="en-US" altLang="zh-CN" dirty="0"/>
+                <a:t>RESEARCH</a:t>
+              </a:r>
+              <a:endParaRPr lang="zh-CN" altLang="en-US" dirty="0"/>
+            </a:p>
+          </p:txBody>
+        </p:sp>
+        <p:sp>
+          <p:nvSpPr>
+            <p:cNvPr id="16" name="箭头: 右 43">
+              <a:extLst>
+                <a:ext uri="{FF2B5EF4-FFF2-40B4-BE49-F238E27FC236}">
+                  <a16:creationId xmlns:a16="http://schemas.microsoft.com/office/drawing/2014/main" id="{96B95A00-3287-0441-A0C6-E81174FA63FC}"/>
+                </a:ext>
+              </a:extLst>
+            </p:cNvPr>
+            <p:cNvSpPr/>
+            <p:nvPr/>
+          </p:nvSpPr>
+          <p:spPr>
+            <a:xfrm>
+              <a:off x="3030204" y="2240150"/>
+              <a:ext cx="640369" cy="522787"/>
+            </a:xfrm>
+            <a:prstGeom prst="rightArrow">
+              <a:avLst>
+                <a:gd name="adj1" fmla="val 46687"/>
+                <a:gd name="adj2" fmla="val 64642"/>
+              </a:avLst>
+            </a:prstGeom>
+            <a:gradFill>
+              <a:gsLst>
+                <a:gs pos="0">
+                  <a:srgbClr val="F0ADAC">
+                    <a:alpha val="54000"/>
+                  </a:srgbClr>
+                </a:gs>
+                <a:gs pos="100000">
+                  <a:srgbClr val="FD8D8C"/>
+                </a:gs>
+              </a:gsLst>
+              <a:lin ang="0" scaled="1"/>
+            </a:gradFill>
+            <a:ln w="12700" cap="flat" cmpd="sng" algn="ctr">
+              <a:gradFill flip="none" rotWithShape="1">
+                <a:gsLst>
+                  <a:gs pos="0">
+                    <a:srgbClr val="F49998"/>
+                  </a:gs>
+                  <a:gs pos="100000">
+                    <a:srgbClr val="FE6967"/>
+                  </a:gs>
+                </a:gsLst>
+                <a:lin ang="0" scaled="1"/>
+                <a:tileRect/>
+              </a:gradFill>
+              <a:prstDash val="solid"/>
+              <a:miter lim="800000"/>
+            </a:ln>
+            <a:effectLst/>
+          </p:spPr>
+          <p:txBody>
+            <a:bodyPr rtlCol="0" anchor="ctr"/>
+            <a:lstStyle/>
+            <a:p>
+              <a:pPr marL="0" marR="0" lvl="0" indent="0" algn="ctr" defTabSz="914400" rtl="0" eaLnBrk="1" fontAlgn="auto" latinLnBrk="0" hangingPunct="1">
+                <a:lnSpc>
+                  <a:spcPct val="100000"/>
+                </a:lnSpc>
+                <a:spcBef>
+                  <a:spcPts val="0"/>
+                </a:spcBef>
+                <a:spcAft>
+                  <a:spcPts val="0"/>
+                </a:spcAft>
+                <a:buClrTx/>
+                <a:buSzTx/>
+                <a:buFontTx/>
+                <a:buNone/>
+                <a:tabLst/>
+                <a:defRPr/>
+              </a:pPr>
+              <a:endParaRPr kumimoji="0" lang="zh-CN" altLang="en-US" sz="1800" b="0" i="0" u="none" strike="noStrike" kern="0" cap="none" spc="0" normalizeH="0" baseline="0" noProof="0" dirty="0">
+                <a:ln>
+                  <a:noFill/>
+                </a:ln>
+                <a:solidFill>
+                  <a:prstClr val="white"/>
+                </a:solidFill>
+                <a:effectLst/>
+                <a:uLnTx/>
+                <a:uFillTx/>
+                <a:latin typeface="OPPOSans R" panose="00020600040101010101" pitchFamily="18" charset="-122"/>
+                <a:ea typeface="OPPOSans R" panose="00020600040101010101" pitchFamily="18" charset="-122"/>
+                <a:cs typeface="+mn-cs"/>
+              </a:endParaRPr>
+            </a:p>
+          </p:txBody>
+        </p:sp>
+        <p:sp>
+          <p:nvSpPr>
+            <p:cNvPr id="17" name="箭头: 右 5">
+              <a:extLst>
+                <a:ext uri="{FF2B5EF4-FFF2-40B4-BE49-F238E27FC236}">
+                  <a16:creationId xmlns:a16="http://schemas.microsoft.com/office/drawing/2014/main" id="{59570803-EBC3-804C-8AB7-E31733110CB7}"/>
+                </a:ext>
+              </a:extLst>
+            </p:cNvPr>
+            <p:cNvSpPr/>
+            <p:nvPr/>
+          </p:nvSpPr>
+          <p:spPr>
+            <a:xfrm>
+              <a:off x="3030204" y="3754381"/>
+              <a:ext cx="640369" cy="522787"/>
+            </a:xfrm>
+            <a:prstGeom prst="rightArrow">
+              <a:avLst>
+                <a:gd name="adj1" fmla="val 46687"/>
+                <a:gd name="adj2" fmla="val 64642"/>
+              </a:avLst>
+            </a:prstGeom>
+            <a:gradFill>
+              <a:gsLst>
+                <a:gs pos="0">
+                  <a:srgbClr val="F0ADAC">
+                    <a:alpha val="54000"/>
+                  </a:srgbClr>
+                </a:gs>
+                <a:gs pos="100000">
+                  <a:srgbClr val="FD8D8C"/>
+                </a:gs>
+              </a:gsLst>
+              <a:lin ang="0" scaled="1"/>
+            </a:gradFill>
+            <a:ln w="12700" cap="flat" cmpd="sng" algn="ctr">
+              <a:gradFill flip="none" rotWithShape="1">
+                <a:gsLst>
+                  <a:gs pos="0">
+                    <a:srgbClr val="F49998"/>
+                  </a:gs>
+                  <a:gs pos="100000">
+                    <a:srgbClr val="FE6967"/>
+                  </a:gs>
+                </a:gsLst>
+                <a:lin ang="0" scaled="1"/>
+                <a:tileRect/>
+              </a:gradFill>
+              <a:prstDash val="solid"/>
+              <a:miter lim="800000"/>
+            </a:ln>
+            <a:effectLst/>
+          </p:spPr>
+          <p:txBody>
+            <a:bodyPr rtlCol="0" anchor="ctr"/>
+            <a:lstStyle/>
+            <a:p>
+              <a:pPr marL="0" marR="0" lvl="0" indent="0" algn="ctr" defTabSz="914400" rtl="0" eaLnBrk="1" fontAlgn="auto" latinLnBrk="0" hangingPunct="1">
+                <a:lnSpc>
+                  <a:spcPct val="100000"/>
+                </a:lnSpc>
+                <a:spcBef>
+                  <a:spcPts val="0"/>
+                </a:spcBef>
+                <a:spcAft>
+                  <a:spcPts val="0"/>
+                </a:spcAft>
+                <a:buClrTx/>
+                <a:buSzTx/>
+                <a:buFontTx/>
+                <a:buNone/>
+                <a:tabLst/>
+                <a:defRPr/>
+              </a:pPr>
+              <a:endParaRPr kumimoji="0" lang="zh-CN" altLang="en-US" sz="1800" b="0" i="0" u="none" strike="noStrike" kern="0" cap="none" spc="0" normalizeH="0" baseline="0" noProof="0" dirty="0">
+                <a:ln>
+                  <a:noFill/>
+                </a:ln>
+                <a:solidFill>
+                  <a:prstClr val="white"/>
+                </a:solidFill>
+                <a:effectLst/>
+                <a:uLnTx/>
+                <a:uFillTx/>
+                <a:latin typeface="OPPOSans R" panose="00020600040101010101" pitchFamily="18" charset="-122"/>
+                <a:ea typeface="OPPOSans R" panose="00020600040101010101" pitchFamily="18" charset="-122"/>
+                <a:cs typeface="+mn-cs"/>
+              </a:endParaRPr>
+            </a:p>
+          </p:txBody>
+        </p:sp>
+        <p:sp>
+          <p:nvSpPr>
+            <p:cNvPr id="18" name="箭头: 右 5">
+              <a:extLst>
+                <a:ext uri="{FF2B5EF4-FFF2-40B4-BE49-F238E27FC236}">
+                  <a16:creationId xmlns:a16="http://schemas.microsoft.com/office/drawing/2014/main" id="{BA277004-0819-6D4B-9C8A-BAE43082F04F}"/>
+                </a:ext>
+              </a:extLst>
+            </p:cNvPr>
+            <p:cNvSpPr/>
+            <p:nvPr/>
+          </p:nvSpPr>
+          <p:spPr>
+            <a:xfrm>
+              <a:off x="3030204" y="5357038"/>
+              <a:ext cx="640369" cy="522787"/>
+            </a:xfrm>
+            <a:prstGeom prst="rightArrow">
+              <a:avLst>
+                <a:gd name="adj1" fmla="val 46687"/>
+                <a:gd name="adj2" fmla="val 64642"/>
+              </a:avLst>
+            </a:prstGeom>
+            <a:gradFill>
+              <a:gsLst>
+                <a:gs pos="0">
+                  <a:srgbClr val="F0ADAC">
+                    <a:alpha val="54000"/>
+                  </a:srgbClr>
+                </a:gs>
+                <a:gs pos="100000">
+                  <a:srgbClr val="FD8D8C"/>
+                </a:gs>
+              </a:gsLst>
+              <a:lin ang="0" scaled="1"/>
+            </a:gradFill>
+            <a:ln w="12700" cap="flat" cmpd="sng" algn="ctr">
+              <a:gradFill flip="none" rotWithShape="1">
+                <a:gsLst>
+                  <a:gs pos="0">
+                    <a:srgbClr val="F49998"/>
+                  </a:gs>
+                  <a:gs pos="100000">
+                    <a:srgbClr val="FE6967"/>
+                  </a:gs>
+                </a:gsLst>
+                <a:lin ang="0" scaled="1"/>
+                <a:tileRect/>
+              </a:gradFill>
+              <a:prstDash val="solid"/>
+              <a:miter lim="800000"/>
+            </a:ln>
+            <a:effectLst/>
+          </p:spPr>
+          <p:txBody>
+            <a:bodyPr rtlCol="0" anchor="ctr"/>
+            <a:lstStyle/>
+            <a:p>
+              <a:pPr marL="0" marR="0" lvl="0" indent="0" algn="ctr" defTabSz="914400" rtl="0" eaLnBrk="1" fontAlgn="auto" latinLnBrk="0" hangingPunct="1">
+                <a:lnSpc>
+                  <a:spcPct val="100000"/>
+                </a:lnSpc>
+                <a:spcBef>
+                  <a:spcPts val="0"/>
+                </a:spcBef>
+                <a:spcAft>
+                  <a:spcPts val="0"/>
+                </a:spcAft>
+                <a:buClrTx/>
+                <a:buSzTx/>
+                <a:buFontTx/>
+                <a:buNone/>
+                <a:tabLst/>
+                <a:defRPr/>
+              </a:pPr>
+              <a:endParaRPr kumimoji="0" lang="zh-CN" altLang="en-US" sz="1800" b="0" i="0" u="none" strike="noStrike" kern="0" cap="none" spc="0" normalizeH="0" baseline="0" noProof="0" dirty="0">
+                <a:ln>
+                  <a:noFill/>
+                </a:ln>
+                <a:solidFill>
+                  <a:prstClr val="white"/>
+                </a:solidFill>
+                <a:effectLst/>
+                <a:uLnTx/>
+                <a:uFillTx/>
+                <a:latin typeface="OPPOSans R" panose="00020600040101010101" pitchFamily="18" charset="-122"/>
+                <a:ea typeface="OPPOSans R" panose="00020600040101010101" pitchFamily="18" charset="-122"/>
+                <a:cs typeface="+mn-cs"/>
+              </a:endParaRPr>
+            </a:p>
+          </p:txBody>
+        </p:sp>
+        <p:sp>
+          <p:nvSpPr>
+            <p:cNvPr id="19" name="矩形: 圆角 10">
+              <a:extLst>
+                <a:ext uri="{FF2B5EF4-FFF2-40B4-BE49-F238E27FC236}">
+                  <a16:creationId xmlns:a16="http://schemas.microsoft.com/office/drawing/2014/main" id="{C2FD420F-23BA-ED4C-BE1C-EC78B1AF157F}"/>
+                </a:ext>
+              </a:extLst>
+            </p:cNvPr>
+            <p:cNvSpPr/>
+            <p:nvPr/>
+          </p:nvSpPr>
+          <p:spPr>
+            <a:xfrm>
+              <a:off x="3857590" y="1809686"/>
+              <a:ext cx="2254408" cy="1271032"/>
+            </a:xfrm>
+            <a:prstGeom prst="roundRect">
+              <a:avLst>
+                <a:gd name="adj" fmla="val 14155"/>
+              </a:avLst>
+            </a:prstGeom>
+            <a:gradFill>
+              <a:gsLst>
+                <a:gs pos="15000">
+                  <a:schemeClr val="bg1"/>
+                </a:gs>
+                <a:gs pos="71000">
+                  <a:srgbClr val="FEF2E2"/>
+                </a:gs>
+              </a:gsLst>
+              <a:path path="circle">
+                <a:fillToRect r="100000" b="100000"/>
+              </a:path>
+            </a:gradFill>
+            <a:ln>
+              <a:solidFill>
+                <a:srgbClr val="FDD9A9"/>
+              </a:solidFill>
+            </a:ln>
+            <a:effectLst>
+              <a:outerShdw blurRad="279400" dist="215900" dir="5400000" algn="t" rotWithShape="0">
+                <a:srgbClr val="DD3C2B">
+                  <a:alpha val="20000"/>
+                </a:srgbClr>
+              </a:outerShdw>
+            </a:effectLst>
+          </p:spPr>
+          <p:style>
+            <a:lnRef idx="2">
+              <a:schemeClr val="accent1">
+                <a:shade val="50000"/>
+              </a:schemeClr>
+            </a:lnRef>
+            <a:fillRef idx="1">
+              <a:schemeClr val="accent1"/>
+            </a:fillRef>
+            <a:effectRef idx="0">
+              <a:schemeClr val="accent1"/>
+            </a:effectRef>
+            <a:fontRef idx="minor">
+              <a:schemeClr val="lt1"/>
+            </a:fontRef>
+          </p:style>
+          <p:txBody>
+            <a:bodyPr rtlCol="0" anchor="ctr"/>
+            <a:lstStyle/>
+            <a:p>
+              <a:pPr algn="ctr"/>
+              <a:endParaRPr lang="zh-CN" altLang="en-US" dirty="0">
+                <a:solidFill>
+                  <a:schemeClr val="accent1"/>
+                </a:solidFill>
+              </a:endParaRPr>
+            </a:p>
+          </p:txBody>
+        </p:sp>
+        <p:sp>
+          <p:nvSpPr>
+            <p:cNvPr id="20" name="矩形: 圆角 10">
+              <a:extLst>
+                <a:ext uri="{FF2B5EF4-FFF2-40B4-BE49-F238E27FC236}">
+                  <a16:creationId xmlns:a16="http://schemas.microsoft.com/office/drawing/2014/main" id="{14152823-5E0B-FF45-8487-777CC2934A8E}"/>
+                </a:ext>
+              </a:extLst>
+            </p:cNvPr>
+            <p:cNvSpPr/>
+            <p:nvPr/>
+          </p:nvSpPr>
+          <p:spPr>
+            <a:xfrm>
+              <a:off x="3857590" y="3339503"/>
+              <a:ext cx="2254408" cy="1271032"/>
+            </a:xfrm>
+            <a:prstGeom prst="roundRect">
+              <a:avLst>
+                <a:gd name="adj" fmla="val 14155"/>
+              </a:avLst>
+            </a:prstGeom>
+            <a:gradFill>
+              <a:gsLst>
+                <a:gs pos="15000">
+                  <a:schemeClr val="bg1"/>
+                </a:gs>
+                <a:gs pos="71000">
+                  <a:srgbClr val="FEF2E2"/>
+                </a:gs>
+              </a:gsLst>
+              <a:path path="circle">
+                <a:fillToRect r="100000" b="100000"/>
+              </a:path>
+            </a:gradFill>
+            <a:ln>
+              <a:solidFill>
+                <a:srgbClr val="FDD9A9"/>
+              </a:solidFill>
+            </a:ln>
+            <a:effectLst>
+              <a:outerShdw blurRad="279400" dist="215900" dir="5400000" algn="t" rotWithShape="0">
+                <a:srgbClr val="DD3C2B">
+                  <a:alpha val="20000"/>
+                </a:srgbClr>
+              </a:outerShdw>
+            </a:effectLst>
+          </p:spPr>
+          <p:style>
+            <a:lnRef idx="2">
+              <a:schemeClr val="accent1">
+                <a:shade val="50000"/>
+              </a:schemeClr>
+            </a:lnRef>
+            <a:fillRef idx="1">
+              <a:schemeClr val="accent1"/>
+            </a:fillRef>
+            <a:effectRef idx="0">
+              <a:schemeClr val="accent1"/>
+            </a:effectRef>
+            <a:fontRef idx="minor">
+              <a:schemeClr val="lt1"/>
+            </a:fontRef>
+          </p:style>
+          <p:txBody>
+            <a:bodyPr rtlCol="0" anchor="ctr"/>
+            <a:lstStyle/>
+            <a:p>
+              <a:pPr algn="ctr"/>
+              <a:endParaRPr lang="zh-CN" altLang="en-US" dirty="0">
+                <a:solidFill>
+                  <a:schemeClr val="accent1"/>
+                </a:solidFill>
+              </a:endParaRPr>
+            </a:p>
+          </p:txBody>
+        </p:sp>
+        <p:sp>
+          <p:nvSpPr>
+            <p:cNvPr id="21" name="矩形: 圆角 10">
+              <a:extLst>
+                <a:ext uri="{FF2B5EF4-FFF2-40B4-BE49-F238E27FC236}">
+                  <a16:creationId xmlns:a16="http://schemas.microsoft.com/office/drawing/2014/main" id="{8A8EA7E7-F89A-6240-B385-D5FDE8E03420}"/>
+                </a:ext>
+              </a:extLst>
+            </p:cNvPr>
+            <p:cNvSpPr/>
+            <p:nvPr/>
+          </p:nvSpPr>
+          <p:spPr>
+            <a:xfrm>
+              <a:off x="3857590" y="4910131"/>
+              <a:ext cx="2254408" cy="1271032"/>
+            </a:xfrm>
+            <a:prstGeom prst="roundRect">
+              <a:avLst>
+                <a:gd name="adj" fmla="val 14155"/>
+              </a:avLst>
+            </a:prstGeom>
+            <a:gradFill>
+              <a:gsLst>
+                <a:gs pos="15000">
+                  <a:schemeClr val="bg1"/>
+                </a:gs>
+                <a:gs pos="71000">
+                  <a:srgbClr val="FEF2E2"/>
+                </a:gs>
+              </a:gsLst>
+              <a:path path="circle">
+                <a:fillToRect r="100000" b="100000"/>
+              </a:path>
+            </a:gradFill>
+            <a:ln>
+              <a:solidFill>
+                <a:srgbClr val="FDD9A9"/>
+              </a:solidFill>
+            </a:ln>
+            <a:effectLst>
+              <a:outerShdw blurRad="279400" dist="215900" dir="5400000" algn="t" rotWithShape="0">
+                <a:srgbClr val="DD3C2B">
+                  <a:alpha val="20000"/>
+                </a:srgbClr>
+              </a:outerShdw>
+            </a:effectLst>
+          </p:spPr>
+          <p:style>
+            <a:lnRef idx="2">
+              <a:schemeClr val="accent1">
+                <a:shade val="50000"/>
+              </a:schemeClr>
+            </a:lnRef>
+            <a:fillRef idx="1">
+              <a:schemeClr val="accent1"/>
+            </a:fillRef>
+            <a:effectRef idx="0">
+              <a:schemeClr val="accent1"/>
+            </a:effectRef>
+            <a:fontRef idx="minor">
+              <a:schemeClr val="lt1"/>
+            </a:fontRef>
+          </p:style>
+          <p:txBody>
+            <a:bodyPr rtlCol="0" anchor="ctr"/>
+            <a:lstStyle/>
+            <a:p>
+              <a:pPr algn="ctr"/>
+              <a:endParaRPr lang="zh-CN" altLang="en-US" dirty="0">
+                <a:solidFill>
+                  <a:schemeClr val="accent1"/>
+                </a:solidFill>
+              </a:endParaRPr>
+            </a:p>
+          </p:txBody>
+        </p:sp>
+        <p:sp>
+          <p:nvSpPr>
+            <p:cNvPr id="22" name="文本框 21">
+              <a:extLst>
+                <a:ext uri="{FF2B5EF4-FFF2-40B4-BE49-F238E27FC236}">
+                  <a16:creationId xmlns:a16="http://schemas.microsoft.com/office/drawing/2014/main" id="{C702567C-1978-9742-927E-9B48E2F17504}"/>
+                </a:ext>
+              </a:extLst>
+            </p:cNvPr>
+            <p:cNvSpPr txBox="1"/>
+            <p:nvPr/>
+          </p:nvSpPr>
+          <p:spPr>
+            <a:xfrm>
+              <a:off x="3927659" y="1895531"/>
+              <a:ext cx="2256831" cy="1206420"/>
+            </a:xfrm>
+            <a:prstGeom prst="rect">
+              <a:avLst/>
+            </a:prstGeom>
+            <a:noFill/>
+          </p:spPr>
+          <p:txBody>
+            <a:bodyPr wrap="square" lIns="91440" tIns="45720" rIns="91440" bIns="45720" anchor="t">
+              <a:spAutoFit/>
+            </a:bodyPr>
+            <a:lstStyle/>
+            <a:p>
+              <a:r>
+                <a:rPr lang="zh-CN" altLang="en-US" sz="1600" b="1" dirty="0">
+                  <a:gradFill flip="none" rotWithShape="1">
+                    <a:gsLst>
+                      <a:gs pos="4000">
+                        <a:srgbClr val="EEA391"/>
+                      </a:gs>
+                      <a:gs pos="61000">
+                        <a:srgbClr val="A32824"/>
+                      </a:gs>
+                    </a:gsLst>
+                    <a:lin ang="5400000" scaled="1"/>
+                    <a:tileRect/>
+                  </a:gradFill>
+                  <a:latin typeface="思源黑体 CN Bold"/>
+                  <a:ea typeface="思源黑体 CN Bold"/>
+                </a:rPr>
+                <a:t>研究</a:t>
+              </a:r>
+              <a:r>
+                <a:rPr lang="en-US" altLang="zh-CN" sz="1600" b="1" dirty="0">
+                  <a:gradFill flip="none" rotWithShape="1">
+                    <a:gsLst>
+                      <a:gs pos="4000">
+                        <a:srgbClr val="EEA391"/>
+                      </a:gs>
+                      <a:gs pos="61000">
+                        <a:srgbClr val="A32824"/>
+                      </a:gs>
+                    </a:gsLst>
+                    <a:lin ang="5400000" scaled="1"/>
+                    <a:tileRect/>
+                  </a:gradFill>
+                  <a:latin typeface="思源黑体 CN Bold"/>
+                  <a:ea typeface="思源黑体 CN Bold"/>
+                </a:rPr>
+                <a:t>1</a:t>
+              </a:r>
+              <a:r>
+                <a:rPr lang="zh-CN" altLang="en-US" sz="1200" dirty="0">
+                  <a:latin typeface="微软雅黑"/>
+                  <a:ea typeface="微软雅黑"/>
+                </a:rPr>
+                <a:t>：低功耗易部署的可重构网络</a:t>
+              </a:r>
+            </a:p>
+            <a:p>
+              <a:pPr indent="-179705">
+                <a:buFont typeface="Arial" panose="020B0604020202020204" pitchFamily="34" charset="0"/>
+                <a:buChar char="•"/>
+              </a:pPr>
+              <a:r>
+                <a:rPr lang="zh-CN" altLang="en-US" sz="1200" dirty="0">
+                  <a:latin typeface="微软雅黑"/>
+                  <a:ea typeface="微软雅黑"/>
+                </a:rPr>
+                <a:t>慢切换控制高可靠性</a:t>
+              </a:r>
+            </a:p>
+            <a:p>
+              <a:pPr indent="-179705">
+                <a:buFont typeface="Arial" panose="020B0604020202020204" pitchFamily="34" charset="0"/>
+                <a:buChar char="•"/>
+              </a:pPr>
+              <a:r>
+                <a:rPr lang="zh-CN" altLang="en-US" sz="1200" dirty="0">
+                  <a:latin typeface="微软雅黑"/>
+                  <a:ea typeface="微软雅黑"/>
+                </a:rPr>
+                <a:t>阈值分流应对突发</a:t>
+              </a:r>
+              <a:endParaRPr lang="zh-CN" dirty="0"/>
+            </a:p>
+          </p:txBody>
+        </p:sp>
+        <p:sp>
+          <p:nvSpPr>
+            <p:cNvPr id="23" name="矩形: 圆角 154">
+              <a:extLst>
+                <a:ext uri="{FF2B5EF4-FFF2-40B4-BE49-F238E27FC236}">
+                  <a16:creationId xmlns:a16="http://schemas.microsoft.com/office/drawing/2014/main" id="{4065B99E-6471-AA49-AF0C-D3A1582B039F}"/>
+                </a:ext>
+              </a:extLst>
+            </p:cNvPr>
+            <p:cNvSpPr/>
+            <p:nvPr/>
+          </p:nvSpPr>
+          <p:spPr>
+            <a:xfrm>
+              <a:off x="6993876" y="1230898"/>
+              <a:ext cx="5279709" cy="5474700"/>
+            </a:xfrm>
+            <a:prstGeom prst="roundRect">
+              <a:avLst>
+                <a:gd name="adj" fmla="val 4696"/>
+              </a:avLst>
+            </a:prstGeom>
+            <a:noFill/>
+            <a:ln w="22225">
+              <a:solidFill>
+                <a:srgbClr val="A32824">
+                  <a:alpha val="99000"/>
+                </a:srgbClr>
+              </a:solidFill>
+              <a:prstDash val="sysDash"/>
+              <a:round/>
+            </a:ln>
+          </p:spPr>
+          <p:style>
+            <a:lnRef idx="2">
+              <a:schemeClr val="accent1">
+                <a:shade val="50000"/>
+              </a:schemeClr>
+            </a:lnRef>
+            <a:fillRef idx="1">
+              <a:schemeClr val="accent1"/>
+            </a:fillRef>
+            <a:effectRef idx="0">
+              <a:schemeClr val="accent1"/>
+            </a:effectRef>
+            <a:fontRef idx="minor">
+              <a:schemeClr val="lt1"/>
+            </a:fontRef>
+          </p:style>
+          <p:txBody>
+            <a:bodyPr rtlCol="0" anchor="ctr"/>
+            <a:lstStyle/>
+            <a:p>
+              <a:pPr algn="ctr"/>
+              <a:endParaRPr lang="zh-CN" altLang="en-US" dirty="0">
+                <a:latin typeface="Abadi" panose="020B0604020104020204" pitchFamily="34" charset="0"/>
+                <a:ea typeface="微软雅黑" panose="020B0503020204020204" pitchFamily="34" charset="-122"/>
+              </a:endParaRPr>
+            </a:p>
+          </p:txBody>
+        </p:sp>
+        <p:sp>
+          <p:nvSpPr>
+            <p:cNvPr id="24" name="矩形 23">
+              <a:extLst>
+                <a:ext uri="{FF2B5EF4-FFF2-40B4-BE49-F238E27FC236}">
+                  <a16:creationId xmlns:a16="http://schemas.microsoft.com/office/drawing/2014/main" id="{1579AB45-8D16-D94C-A967-6AB1AD1AEC0F}"/>
+                </a:ext>
+              </a:extLst>
+            </p:cNvPr>
+            <p:cNvSpPr/>
+            <p:nvPr/>
+          </p:nvSpPr>
+          <p:spPr>
+            <a:xfrm>
+              <a:off x="7456551" y="1413565"/>
+              <a:ext cx="1685131" cy="386966"/>
+            </a:xfrm>
+            <a:prstGeom prst="rect">
+              <a:avLst/>
+            </a:prstGeom>
+            <a:ln w="19050">
+              <a:noFill/>
+            </a:ln>
+            <a:effectLst/>
+          </p:spPr>
+          <p:txBody>
+            <a:bodyPr wrap="none" lIns="0" tIns="0" rIns="0" bIns="0" anchor="ctr" anchorCtr="0">
+              <a:noAutofit/>
+            </a:bodyPr>
+            <a:lstStyle>
+              <a:defPPr>
+                <a:defRPr lang="zh-CN"/>
+              </a:defPPr>
+              <a:lvl1pPr marL="0" algn="l" defTabSz="914400" rtl="0" eaLnBrk="1" latinLnBrk="0" hangingPunct="1">
+                <a:defRPr sz="1800" kern="1200">
+                  <a:solidFill>
+                    <a:schemeClr val="tx1"/>
+                  </a:solidFill>
+                </a:defRPr>
+              </a:lvl1pPr>
+              <a:lvl2pPr marL="457200" algn="l" defTabSz="914400" rtl="0" eaLnBrk="1" latinLnBrk="0" hangingPunct="1">
+                <a:defRPr sz="1800" kern="1200">
+                  <a:solidFill>
+                    <a:schemeClr val="tx1"/>
+                  </a:solidFill>
+                </a:defRPr>
+              </a:lvl2pPr>
+              <a:lvl3pPr marL="914400" algn="l" defTabSz="914400" rtl="0" eaLnBrk="1" latinLnBrk="0" hangingPunct="1">
+                <a:defRPr sz="1800" kern="1200">
+                  <a:solidFill>
+                    <a:schemeClr val="tx1"/>
+                  </a:solidFill>
+                </a:defRPr>
+              </a:lvl3pPr>
+              <a:lvl4pPr marL="1371600" algn="l" defTabSz="914400" rtl="0" eaLnBrk="1" latinLnBrk="0" hangingPunct="1">
+                <a:defRPr sz="1800" kern="1200">
+                  <a:solidFill>
+                    <a:schemeClr val="tx1"/>
+                  </a:solidFill>
+                </a:defRPr>
+              </a:lvl4pPr>
+              <a:lvl5pPr marL="1828800" algn="l" defTabSz="914400" rtl="0" eaLnBrk="1" latinLnBrk="0" hangingPunct="1">
+                <a:defRPr sz="1800" kern="1200">
+                  <a:solidFill>
+                    <a:schemeClr val="tx1"/>
+                  </a:solidFill>
+                </a:defRPr>
+              </a:lvl5pPr>
+              <a:lvl6pPr marL="2286000" algn="l" defTabSz="914400" rtl="0" eaLnBrk="1" latinLnBrk="0" hangingPunct="1">
+                <a:defRPr sz="1800" kern="1200">
+                  <a:solidFill>
+                    <a:schemeClr val="tx1"/>
+                  </a:solidFill>
+                </a:defRPr>
+              </a:lvl6pPr>
+              <a:lvl7pPr marL="2743200" algn="l" defTabSz="914400" rtl="0" eaLnBrk="1" latinLnBrk="0" hangingPunct="1">
+                <a:defRPr sz="1800" kern="1200">
+                  <a:solidFill>
+                    <a:schemeClr val="tx1"/>
+                  </a:solidFill>
+                </a:defRPr>
+              </a:lvl7pPr>
+              <a:lvl8pPr marL="3200400" algn="l" defTabSz="914400" rtl="0" eaLnBrk="1" latinLnBrk="0" hangingPunct="1">
+                <a:defRPr sz="1800" kern="1200">
+                  <a:solidFill>
+                    <a:schemeClr val="tx1"/>
+                  </a:solidFill>
+                </a:defRPr>
+              </a:lvl8pPr>
+              <a:lvl9pPr marL="3657600" algn="l" defTabSz="914400" rtl="0" eaLnBrk="1" latinLnBrk="0" hangingPunct="1">
+                <a:defRPr sz="1800" kern="1200">
+                  <a:solidFill>
+                    <a:schemeClr val="tx1"/>
+                  </a:solidFill>
+                </a:defRPr>
+              </a:lvl9pPr>
+            </a:lstStyle>
+            <a:p>
+              <a:pPr lvl="0" algn="ctr">
+                <a:lnSpc>
+                  <a:spcPct val="100000"/>
+                </a:lnSpc>
+                <a:defRPr/>
+              </a:pPr>
+              <a:r>
+                <a:rPr lang="zh-CN" altLang="en-US" b="1">
+                  <a:solidFill>
+                    <a:prstClr val="white"/>
+                  </a:solidFill>
+                  <a:latin typeface="Arial"/>
+                  <a:ea typeface="微软雅黑" panose="020B0503020204020204" pitchFamily="34" charset="-122"/>
+                  <a:cs typeface="+mn-ea"/>
+                  <a:sym typeface="+mn-lt"/>
+                </a:rPr>
+                <a:t>主要挑战</a:t>
+              </a:r>
+              <a:endParaRPr lang="zh-CN" altLang="en-US" b="1" dirty="0">
+                <a:solidFill>
+                  <a:prstClr val="white"/>
+                </a:solidFill>
+                <a:latin typeface="Arial"/>
+                <a:ea typeface="微软雅黑" panose="020B0503020204020204" pitchFamily="34" charset="-122"/>
+                <a:cs typeface="+mn-ea"/>
+                <a:sym typeface="+mn-lt"/>
+              </a:endParaRPr>
+            </a:p>
+          </p:txBody>
+        </p:sp>
+        <p:sp>
+          <p:nvSpPr>
+            <p:cNvPr id="25" name="文本框 24">
+              <a:extLst>
+                <a:ext uri="{FF2B5EF4-FFF2-40B4-BE49-F238E27FC236}">
+                  <a16:creationId xmlns:a16="http://schemas.microsoft.com/office/drawing/2014/main" id="{04BC95DE-DBFA-0847-BCF8-E2AF7F4D2D7C}"/>
+                </a:ext>
+              </a:extLst>
+            </p:cNvPr>
+            <p:cNvSpPr txBox="1"/>
+            <p:nvPr/>
+          </p:nvSpPr>
+          <p:spPr>
+            <a:xfrm>
+              <a:off x="7161229" y="1233563"/>
+              <a:ext cx="2299533" cy="593304"/>
+            </a:xfrm>
+            <a:prstGeom prst="rect">
+              <a:avLst/>
+            </a:prstGeom>
+            <a:noFill/>
+          </p:spPr>
+          <p:txBody>
+            <a:bodyPr wrap="square">
+              <a:spAutoFit/>
+            </a:bodyPr>
+            <a:lstStyle/>
+            <a:p>
+              <a:pPr algn="dist">
+                <a:defRPr/>
+              </a:pPr>
+              <a:r>
+                <a:rPr lang="en-US" altLang="zh-CN" sz="2800">
+                  <a:solidFill>
+                    <a:srgbClr val="FFFFFF">
+                      <a:alpha val="8000"/>
+                    </a:srgbClr>
+                  </a:solidFill>
+                  <a:latin typeface="微软雅黑" panose="020B0503020204020204" pitchFamily="34" charset="-122"/>
+                  <a:ea typeface="思源黑体 CN Regular"/>
+                </a:rPr>
+                <a:t>CHALLENGE</a:t>
+              </a:r>
+              <a:endParaRPr lang="zh-CN" altLang="en-US" sz="2800">
+                <a:solidFill>
+                  <a:srgbClr val="FFFFFF">
+                    <a:alpha val="8000"/>
+                  </a:srgbClr>
+                </a:solidFill>
+                <a:latin typeface="微软雅黑" panose="020B0503020204020204" pitchFamily="34" charset="-122"/>
+                <a:ea typeface="思源黑体 CN Regular"/>
+              </a:endParaRPr>
+            </a:p>
+          </p:txBody>
+        </p:sp>
+        <p:sp>
+          <p:nvSpPr>
+            <p:cNvPr id="26" name="箭头: 右 164">
+              <a:extLst>
+                <a:ext uri="{FF2B5EF4-FFF2-40B4-BE49-F238E27FC236}">
+                  <a16:creationId xmlns:a16="http://schemas.microsoft.com/office/drawing/2014/main" id="{2C48C6D0-C750-9049-BCBE-44B7153A325A}"/>
+                </a:ext>
+              </a:extLst>
+            </p:cNvPr>
+            <p:cNvSpPr/>
+            <p:nvPr/>
+          </p:nvSpPr>
+          <p:spPr>
+            <a:xfrm>
+              <a:off x="6353507" y="2240150"/>
+              <a:ext cx="640369" cy="522787"/>
+            </a:xfrm>
+            <a:prstGeom prst="rightArrow">
+              <a:avLst>
+                <a:gd name="adj1" fmla="val 46687"/>
+                <a:gd name="adj2" fmla="val 64642"/>
+              </a:avLst>
+            </a:prstGeom>
+            <a:gradFill>
+              <a:gsLst>
+                <a:gs pos="0">
+                  <a:srgbClr val="F0ADAC">
+                    <a:alpha val="54000"/>
+                  </a:srgbClr>
+                </a:gs>
+                <a:gs pos="100000">
+                  <a:srgbClr val="FD8D8C"/>
+                </a:gs>
+              </a:gsLst>
+              <a:lin ang="0" scaled="1"/>
+            </a:gradFill>
+            <a:ln w="12700" cap="flat" cmpd="sng" algn="ctr">
+              <a:gradFill flip="none" rotWithShape="1">
+                <a:gsLst>
+                  <a:gs pos="0">
+                    <a:srgbClr val="F49998"/>
+                  </a:gs>
+                  <a:gs pos="100000">
+                    <a:srgbClr val="FE6967"/>
+                  </a:gs>
+                </a:gsLst>
+                <a:lin ang="0" scaled="1"/>
+                <a:tileRect/>
+              </a:gradFill>
+              <a:prstDash val="solid"/>
+              <a:miter lim="800000"/>
+            </a:ln>
+            <a:effectLst/>
+          </p:spPr>
+          <p:txBody>
+            <a:bodyPr rtlCol="0" anchor="ctr"/>
+            <a:lstStyle/>
+            <a:p>
+              <a:pPr marL="0" marR="0" lvl="0" indent="0" algn="ctr" defTabSz="914400" rtl="0" eaLnBrk="1" fontAlgn="auto" latinLnBrk="0" hangingPunct="1">
+                <a:lnSpc>
+                  <a:spcPct val="100000"/>
+                </a:lnSpc>
+                <a:spcBef>
+                  <a:spcPts val="0"/>
+                </a:spcBef>
+                <a:spcAft>
+                  <a:spcPts val="0"/>
+                </a:spcAft>
+                <a:buClrTx/>
+                <a:buSzTx/>
+                <a:buFontTx/>
+                <a:buNone/>
+                <a:tabLst/>
+                <a:defRPr/>
+              </a:pPr>
+              <a:endParaRPr kumimoji="0" lang="zh-CN" altLang="en-US" sz="1800" b="0" i="0" u="none" strike="noStrike" kern="0" cap="none" spc="0" normalizeH="0" baseline="0" noProof="0" dirty="0">
+                <a:ln>
+                  <a:noFill/>
+                </a:ln>
+                <a:solidFill>
+                  <a:prstClr val="white"/>
+                </a:solidFill>
+                <a:effectLst/>
+                <a:uLnTx/>
+                <a:uFillTx/>
+                <a:latin typeface="OPPOSans R" panose="00020600040101010101" pitchFamily="18" charset="-122"/>
+                <a:ea typeface="OPPOSans R" panose="00020600040101010101" pitchFamily="18" charset="-122"/>
+                <a:cs typeface="+mn-cs"/>
+              </a:endParaRPr>
+            </a:p>
+          </p:txBody>
+        </p:sp>
+        <p:sp>
+          <p:nvSpPr>
+            <p:cNvPr id="27" name="箭头: 右 5">
+              <a:extLst>
+                <a:ext uri="{FF2B5EF4-FFF2-40B4-BE49-F238E27FC236}">
+                  <a16:creationId xmlns:a16="http://schemas.microsoft.com/office/drawing/2014/main" id="{7B07E8B9-A09C-1242-862D-299B456D27B4}"/>
+                </a:ext>
+              </a:extLst>
+            </p:cNvPr>
+            <p:cNvSpPr/>
+            <p:nvPr/>
+          </p:nvSpPr>
+          <p:spPr>
+            <a:xfrm>
+              <a:off x="6353507" y="3754381"/>
+              <a:ext cx="640369" cy="522787"/>
+            </a:xfrm>
+            <a:prstGeom prst="rightArrow">
+              <a:avLst>
+                <a:gd name="adj1" fmla="val 46687"/>
+                <a:gd name="adj2" fmla="val 64642"/>
+              </a:avLst>
+            </a:prstGeom>
+            <a:gradFill>
+              <a:gsLst>
+                <a:gs pos="0">
+                  <a:srgbClr val="F0ADAC">
+                    <a:alpha val="54000"/>
+                  </a:srgbClr>
+                </a:gs>
+                <a:gs pos="100000">
+                  <a:srgbClr val="FD8D8C"/>
+                </a:gs>
+              </a:gsLst>
+              <a:lin ang="0" scaled="1"/>
+            </a:gradFill>
+            <a:ln w="12700" cap="flat" cmpd="sng" algn="ctr">
+              <a:gradFill flip="none" rotWithShape="1">
+                <a:gsLst>
+                  <a:gs pos="0">
+                    <a:srgbClr val="F49998"/>
+                  </a:gs>
+                  <a:gs pos="100000">
+                    <a:srgbClr val="FE6967"/>
+                  </a:gs>
+                </a:gsLst>
+                <a:lin ang="0" scaled="1"/>
+                <a:tileRect/>
+              </a:gradFill>
+              <a:prstDash val="solid"/>
+              <a:miter lim="800000"/>
+            </a:ln>
+            <a:effectLst/>
+          </p:spPr>
+          <p:txBody>
+            <a:bodyPr rtlCol="0" anchor="ctr"/>
+            <a:lstStyle/>
+            <a:p>
+              <a:pPr marL="0" marR="0" lvl="0" indent="0" algn="ctr" defTabSz="914400" rtl="0" eaLnBrk="1" fontAlgn="auto" latinLnBrk="0" hangingPunct="1">
+                <a:lnSpc>
+                  <a:spcPct val="100000"/>
+                </a:lnSpc>
+                <a:spcBef>
+                  <a:spcPts val="0"/>
+                </a:spcBef>
+                <a:spcAft>
+                  <a:spcPts val="0"/>
+                </a:spcAft>
+                <a:buClrTx/>
+                <a:buSzTx/>
+                <a:buFontTx/>
+                <a:buNone/>
+                <a:tabLst/>
+                <a:defRPr/>
+              </a:pPr>
+              <a:endParaRPr kumimoji="0" lang="zh-CN" altLang="en-US" sz="1800" b="0" i="0" u="none" strike="noStrike" kern="0" cap="none" spc="0" normalizeH="0" baseline="0" noProof="0" dirty="0">
+                <a:ln>
+                  <a:noFill/>
+                </a:ln>
+                <a:solidFill>
+                  <a:prstClr val="white"/>
+                </a:solidFill>
+                <a:effectLst/>
+                <a:uLnTx/>
+                <a:uFillTx/>
+                <a:latin typeface="OPPOSans R" panose="00020600040101010101" pitchFamily="18" charset="-122"/>
+                <a:ea typeface="OPPOSans R" panose="00020600040101010101" pitchFamily="18" charset="-122"/>
+                <a:cs typeface="+mn-cs"/>
+              </a:endParaRPr>
+            </a:p>
+          </p:txBody>
+        </p:sp>
+        <p:sp>
+          <p:nvSpPr>
+            <p:cNvPr id="28" name="箭头: 右 5">
+              <a:extLst>
+                <a:ext uri="{FF2B5EF4-FFF2-40B4-BE49-F238E27FC236}">
+                  <a16:creationId xmlns:a16="http://schemas.microsoft.com/office/drawing/2014/main" id="{E576282F-FE0F-9947-B70F-CE8ACD8BCC21}"/>
+                </a:ext>
+              </a:extLst>
+            </p:cNvPr>
+            <p:cNvSpPr/>
+            <p:nvPr/>
+          </p:nvSpPr>
+          <p:spPr>
+            <a:xfrm>
+              <a:off x="6353507" y="5357038"/>
+              <a:ext cx="640369" cy="522787"/>
+            </a:xfrm>
+            <a:prstGeom prst="rightArrow">
+              <a:avLst>
+                <a:gd name="adj1" fmla="val 46687"/>
+                <a:gd name="adj2" fmla="val 64642"/>
+              </a:avLst>
+            </a:prstGeom>
+            <a:gradFill>
+              <a:gsLst>
+                <a:gs pos="0">
+                  <a:srgbClr val="F0ADAC">
+                    <a:alpha val="54000"/>
+                  </a:srgbClr>
+                </a:gs>
+                <a:gs pos="100000">
+                  <a:srgbClr val="FD8D8C"/>
+                </a:gs>
+              </a:gsLst>
+              <a:lin ang="0" scaled="1"/>
+            </a:gradFill>
+            <a:ln w="12700" cap="flat" cmpd="sng" algn="ctr">
+              <a:gradFill flip="none" rotWithShape="1">
+                <a:gsLst>
+                  <a:gs pos="0">
+                    <a:srgbClr val="F49998"/>
+                  </a:gs>
+                  <a:gs pos="100000">
+                    <a:srgbClr val="FE6967"/>
+                  </a:gs>
+                </a:gsLst>
+                <a:lin ang="0" scaled="1"/>
+                <a:tileRect/>
+              </a:gradFill>
+              <a:prstDash val="solid"/>
+              <a:miter lim="800000"/>
+            </a:ln>
+            <a:effectLst/>
+          </p:spPr>
+          <p:txBody>
+            <a:bodyPr rtlCol="0" anchor="ctr"/>
+            <a:lstStyle/>
+            <a:p>
+              <a:pPr marL="0" marR="0" lvl="0" indent="0" algn="ctr" defTabSz="914400" rtl="0" eaLnBrk="1" fontAlgn="auto" latinLnBrk="0" hangingPunct="1">
+                <a:lnSpc>
+                  <a:spcPct val="100000"/>
+                </a:lnSpc>
+                <a:spcBef>
+                  <a:spcPts val="0"/>
+                </a:spcBef>
+                <a:spcAft>
+                  <a:spcPts val="0"/>
+                </a:spcAft>
+                <a:buClrTx/>
+                <a:buSzTx/>
+                <a:buFontTx/>
+                <a:buNone/>
+                <a:tabLst/>
+                <a:defRPr/>
+              </a:pPr>
+              <a:endParaRPr kumimoji="0" lang="zh-CN" altLang="en-US" sz="1800" b="0" i="0" u="none" strike="noStrike" kern="0" cap="none" spc="0" normalizeH="0" baseline="0" noProof="0" dirty="0">
+                <a:ln>
+                  <a:noFill/>
+                </a:ln>
+                <a:solidFill>
+                  <a:prstClr val="white"/>
+                </a:solidFill>
+                <a:effectLst/>
+                <a:uLnTx/>
+                <a:uFillTx/>
+                <a:latin typeface="OPPOSans R" panose="00020600040101010101" pitchFamily="18" charset="-122"/>
+                <a:ea typeface="OPPOSans R" panose="00020600040101010101" pitchFamily="18" charset="-122"/>
+                <a:cs typeface="+mn-cs"/>
+              </a:endParaRPr>
+            </a:p>
+          </p:txBody>
+        </p:sp>
+        <p:sp>
+          <p:nvSpPr>
+            <p:cNvPr id="29" name="文本框 28">
+              <a:extLst>
+                <a:ext uri="{FF2B5EF4-FFF2-40B4-BE49-F238E27FC236}">
+                  <a16:creationId xmlns:a16="http://schemas.microsoft.com/office/drawing/2014/main" id="{CD2C8BDA-5D9E-A64C-92FD-9540F979B997}"/>
+                </a:ext>
+              </a:extLst>
+            </p:cNvPr>
+            <p:cNvSpPr txBox="1"/>
+            <p:nvPr/>
+          </p:nvSpPr>
+          <p:spPr>
+            <a:xfrm>
+              <a:off x="3927659" y="3468692"/>
+              <a:ext cx="2256831" cy="770145"/>
+            </a:xfrm>
+            <a:prstGeom prst="rect">
+              <a:avLst/>
+            </a:prstGeom>
+            <a:noFill/>
+          </p:spPr>
+          <p:txBody>
+            <a:bodyPr wrap="square">
+              <a:spAutoFit/>
+            </a:bodyPr>
+            <a:lstStyle/>
+            <a:p>
+              <a:r>
+                <a:rPr lang="zh-CN" altLang="en-US" sz="1600" b="1" dirty="0">
+                  <a:gradFill flip="none" rotWithShape="1">
+                    <a:gsLst>
+                      <a:gs pos="4000">
+                        <a:srgbClr val="EEA391"/>
+                      </a:gs>
+                      <a:gs pos="61000">
+                        <a:srgbClr val="A32824"/>
+                      </a:gs>
+                    </a:gsLst>
+                    <a:lin ang="5400000" scaled="1"/>
+                    <a:tileRect/>
+                  </a:gradFill>
+                  <a:latin typeface="思源黑体 CN Bold" panose="020B0800000000000000" pitchFamily="34" charset="-122"/>
+                  <a:ea typeface="思源黑体 CN Bold" panose="020B0800000000000000" pitchFamily="34" charset="-122"/>
+                </a:rPr>
+                <a:t>研究</a:t>
+              </a:r>
+              <a:r>
+                <a:rPr lang="en-US" altLang="zh-CN" sz="1600" b="1" dirty="0">
+                  <a:gradFill flip="none" rotWithShape="1">
+                    <a:gsLst>
+                      <a:gs pos="4000">
+                        <a:srgbClr val="EEA391"/>
+                      </a:gs>
+                      <a:gs pos="61000">
+                        <a:srgbClr val="A32824"/>
+                      </a:gs>
+                    </a:gsLst>
+                    <a:lin ang="5400000" scaled="1"/>
+                    <a:tileRect/>
+                  </a:gradFill>
+                  <a:latin typeface="思源黑体 CN Bold" panose="020B0800000000000000" pitchFamily="34" charset="-122"/>
+                  <a:ea typeface="思源黑体 CN Bold" panose="020B0800000000000000" pitchFamily="34" charset="-122"/>
+                </a:rPr>
+                <a:t>1</a:t>
+              </a:r>
+              <a:r>
+                <a:rPr lang="zh-CN" altLang="en-US" sz="1200" dirty="0">
+                  <a:latin typeface="微软雅黑" panose="020B0503020204020204" pitchFamily="34" charset="-122"/>
+                  <a:ea typeface="微软雅黑" panose="020B0503020204020204" pitchFamily="34" charset="-122"/>
+                </a:rPr>
+                <a:t>：高性能路由策略</a:t>
+              </a:r>
+              <a:endParaRPr lang="en-US" altLang="zh-CN" sz="1200" dirty="0">
+                <a:latin typeface="微软雅黑" panose="020B0503020204020204" pitchFamily="34" charset="-122"/>
+                <a:ea typeface="微软雅黑" panose="020B0503020204020204" pitchFamily="34" charset="-122"/>
+              </a:endParaRPr>
+            </a:p>
+            <a:p>
+              <a:pPr indent="-180000">
+                <a:buFont typeface="Arial" panose="020B0604020202020204" pitchFamily="34" charset="0"/>
+                <a:buChar char="•"/>
+              </a:pPr>
+              <a:r>
+                <a:rPr lang="zh-CN" altLang="en-US" sz="1200" dirty="0">
+                  <a:latin typeface="微软雅黑" panose="020B0503020204020204" pitchFamily="34" charset="-122"/>
+                  <a:ea typeface="微软雅黑" panose="020B0503020204020204" pitchFamily="34" charset="-122"/>
+                </a:rPr>
+                <a:t>解决</a:t>
+              </a:r>
+              <a:r>
+                <a:rPr lang="en-US" altLang="zh-CN" sz="1200" dirty="0">
+                  <a:latin typeface="微软雅黑" panose="020B0503020204020204" pitchFamily="34" charset="-122"/>
+                  <a:ea typeface="微软雅黑" panose="020B0503020204020204" pitchFamily="34" charset="-122"/>
+                </a:rPr>
+                <a:t>ECMP</a:t>
+              </a:r>
+              <a:r>
+                <a:rPr lang="zh-CN" altLang="en-US" sz="1200" dirty="0">
+                  <a:latin typeface="微软雅黑" panose="020B0503020204020204" pitchFamily="34" charset="-122"/>
+                  <a:ea typeface="微软雅黑" panose="020B0503020204020204" pitchFamily="34" charset="-122"/>
+                </a:rPr>
+                <a:t>网络性能</a:t>
+              </a:r>
+              <a:endParaRPr lang="en-US" altLang="zh-CN" sz="1200" dirty="0">
+                <a:latin typeface="微软雅黑" panose="020B0503020204020204" pitchFamily="34" charset="-122"/>
+                <a:ea typeface="微软雅黑" panose="020B0503020204020204" pitchFamily="34" charset="-122"/>
+              </a:endParaRPr>
+            </a:p>
+            <a:p>
+              <a:pPr indent="-180000">
+                <a:buFont typeface="Arial" panose="020B0604020202020204" pitchFamily="34" charset="0"/>
+                <a:buChar char="•"/>
+              </a:pPr>
+              <a:r>
+                <a:rPr lang="zh-CN" altLang="en-US" sz="1200" dirty="0">
+                  <a:latin typeface="微软雅黑" panose="020B0503020204020204" pitchFamily="34" charset="-122"/>
+                  <a:ea typeface="微软雅黑" panose="020B0503020204020204" pitchFamily="34" charset="-122"/>
+                </a:rPr>
+                <a:t>解决</a:t>
+              </a:r>
+              <a:r>
+                <a:rPr lang="en-US" altLang="zh-CN" sz="1200" dirty="0">
+                  <a:latin typeface="微软雅黑" panose="020B0503020204020204" pitchFamily="34" charset="-122"/>
+                  <a:ea typeface="微软雅黑" panose="020B0503020204020204" pitchFamily="34" charset="-122"/>
+                </a:rPr>
+                <a:t>WCMP</a:t>
+              </a:r>
+              <a:r>
+                <a:rPr lang="zh-CN" altLang="en-US" sz="1200" dirty="0">
+                  <a:latin typeface="微软雅黑" panose="020B0503020204020204" pitchFamily="34" charset="-122"/>
+                  <a:ea typeface="微软雅黑" panose="020B0503020204020204" pitchFamily="34" charset="-122"/>
+                </a:rPr>
+                <a:t>网络负担</a:t>
+              </a:r>
+            </a:p>
+          </p:txBody>
+        </p:sp>
+        <p:sp>
+          <p:nvSpPr>
+            <p:cNvPr id="30" name="文本框 29">
+              <a:extLst>
+                <a:ext uri="{FF2B5EF4-FFF2-40B4-BE49-F238E27FC236}">
+                  <a16:creationId xmlns:a16="http://schemas.microsoft.com/office/drawing/2014/main" id="{B126D86B-0696-7840-8E1D-3840F0C658B2}"/>
+                </a:ext>
+              </a:extLst>
+            </p:cNvPr>
+            <p:cNvSpPr txBox="1"/>
+            <p:nvPr/>
+          </p:nvSpPr>
+          <p:spPr>
+            <a:xfrm>
+              <a:off x="3927659" y="5118146"/>
+              <a:ext cx="2256831" cy="368330"/>
+            </a:xfrm>
+            <a:prstGeom prst="rect">
+              <a:avLst/>
+            </a:prstGeom>
+            <a:noFill/>
+          </p:spPr>
+          <p:txBody>
+            <a:bodyPr wrap="square">
+              <a:spAutoFit/>
+            </a:bodyPr>
+            <a:lstStyle/>
+            <a:p>
+              <a:r>
+                <a:rPr lang="zh-CN" altLang="en-US" sz="1600" b="1" dirty="0">
+                  <a:gradFill flip="none" rotWithShape="1">
+                    <a:gsLst>
+                      <a:gs pos="4000">
+                        <a:srgbClr val="EEA391"/>
+                      </a:gs>
+                      <a:gs pos="61000">
+                        <a:srgbClr val="A32824"/>
+                      </a:gs>
+                    </a:gsLst>
+                    <a:lin ang="5400000" scaled="1"/>
+                    <a:tileRect/>
+                  </a:gradFill>
+                  <a:latin typeface="思源黑体 CN Bold" panose="020B0800000000000000" pitchFamily="34" charset="-122"/>
+                  <a:ea typeface="思源黑体 CN Bold" panose="020B0800000000000000" pitchFamily="34" charset="-122"/>
+                </a:rPr>
+                <a:t>研究</a:t>
+              </a:r>
+              <a:r>
+                <a:rPr lang="en-US" altLang="zh-CN" sz="1600" b="1" dirty="0">
+                  <a:gradFill flip="none" rotWithShape="1">
+                    <a:gsLst>
+                      <a:gs pos="4000">
+                        <a:srgbClr val="EEA391"/>
+                      </a:gs>
+                      <a:gs pos="61000">
+                        <a:srgbClr val="A32824"/>
+                      </a:gs>
+                    </a:gsLst>
+                    <a:lin ang="5400000" scaled="1"/>
+                    <a:tileRect/>
+                  </a:gradFill>
+                  <a:latin typeface="思源黑体 CN Bold" panose="020B0800000000000000" pitchFamily="34" charset="-122"/>
+                  <a:ea typeface="思源黑体 CN Bold" panose="020B0800000000000000" pitchFamily="34" charset="-122"/>
+                </a:rPr>
+                <a:t>2</a:t>
+              </a:r>
+              <a:r>
+                <a:rPr lang="zh-CN" altLang="en-US" sz="1200" dirty="0">
+                  <a:latin typeface="微软雅黑" panose="020B0503020204020204" pitchFamily="34" charset="-122"/>
+                  <a:ea typeface="微软雅黑" panose="020B0503020204020204" pitchFamily="34" charset="-122"/>
+                </a:rPr>
+                <a:t>：拓扑竞争比分析</a:t>
+              </a:r>
+            </a:p>
+          </p:txBody>
+        </p:sp>
+        <p:sp>
+          <p:nvSpPr>
+            <p:cNvPr id="31" name="文本框 30">
+              <a:extLst>
+                <a:ext uri="{FF2B5EF4-FFF2-40B4-BE49-F238E27FC236}">
+                  <a16:creationId xmlns:a16="http://schemas.microsoft.com/office/drawing/2014/main" id="{F75BB611-22F9-2E4F-9337-950018988D07}"/>
+                </a:ext>
+              </a:extLst>
+            </p:cNvPr>
+            <p:cNvSpPr txBox="1"/>
+            <p:nvPr/>
+          </p:nvSpPr>
+          <p:spPr>
+            <a:xfrm>
+              <a:off x="3927659" y="5561227"/>
+              <a:ext cx="2256831" cy="368330"/>
+            </a:xfrm>
+            <a:prstGeom prst="rect">
+              <a:avLst/>
+            </a:prstGeom>
+            <a:noFill/>
+          </p:spPr>
+          <p:txBody>
+            <a:bodyPr wrap="square">
+              <a:spAutoFit/>
+            </a:bodyPr>
+            <a:lstStyle/>
+            <a:p>
+              <a:r>
+                <a:rPr lang="zh-CN" altLang="en-US" sz="1600" b="1" dirty="0">
+                  <a:gradFill flip="none" rotWithShape="1">
+                    <a:gsLst>
+                      <a:gs pos="4000">
+                        <a:srgbClr val="EEA391"/>
+                      </a:gs>
+                      <a:gs pos="61000">
+                        <a:srgbClr val="A32824"/>
+                      </a:gs>
+                    </a:gsLst>
+                    <a:lin ang="5400000" scaled="1"/>
+                    <a:tileRect/>
+                  </a:gradFill>
+                  <a:latin typeface="思源黑体 CN Bold" panose="020B0800000000000000" pitchFamily="34" charset="-122"/>
+                  <a:ea typeface="思源黑体 CN Bold" panose="020B0800000000000000" pitchFamily="34" charset="-122"/>
+                </a:rPr>
+                <a:t>研究</a:t>
+              </a:r>
+              <a:r>
+                <a:rPr lang="en-US" altLang="zh-CN" sz="1600" b="1" dirty="0">
+                  <a:gradFill flip="none" rotWithShape="1">
+                    <a:gsLst>
+                      <a:gs pos="4000">
+                        <a:srgbClr val="EEA391"/>
+                      </a:gs>
+                      <a:gs pos="61000">
+                        <a:srgbClr val="A32824"/>
+                      </a:gs>
+                    </a:gsLst>
+                    <a:lin ang="5400000" scaled="1"/>
+                    <a:tileRect/>
+                  </a:gradFill>
+                  <a:latin typeface="思源黑体 CN Bold" panose="020B0800000000000000" pitchFamily="34" charset="-122"/>
+                  <a:ea typeface="思源黑体 CN Bold" panose="020B0800000000000000" pitchFamily="34" charset="-122"/>
+                </a:rPr>
+                <a:t>3</a:t>
+              </a:r>
+              <a:r>
+                <a:rPr lang="zh-CN" altLang="en-US" sz="1200" dirty="0">
+                  <a:latin typeface="微软雅黑" panose="020B0503020204020204" pitchFamily="34" charset="-122"/>
+                  <a:ea typeface="微软雅黑" panose="020B0503020204020204" pitchFamily="34" charset="-122"/>
+                </a:rPr>
+                <a:t>：超快速网络仿真</a:t>
+              </a:r>
+            </a:p>
+          </p:txBody>
+        </p:sp>
+        <p:sp>
+          <p:nvSpPr>
+            <p:cNvPr id="32" name="圆角矩形 59">
+              <a:extLst>
+                <a:ext uri="{FF2B5EF4-FFF2-40B4-BE49-F238E27FC236}">
+                  <a16:creationId xmlns:a16="http://schemas.microsoft.com/office/drawing/2014/main" id="{5ABC2496-8511-9644-B05D-23B471B8625D}"/>
+                </a:ext>
+              </a:extLst>
+            </p:cNvPr>
+            <p:cNvSpPr/>
+            <p:nvPr/>
+          </p:nvSpPr>
+          <p:spPr>
+            <a:xfrm>
+              <a:off x="7117727" y="1339986"/>
+              <a:ext cx="4618570" cy="5198465"/>
+            </a:xfrm>
+            <a:prstGeom prst="roundRect">
+              <a:avLst>
+                <a:gd name="adj" fmla="val 6970"/>
+              </a:avLst>
+            </a:prstGeom>
+            <a:solidFill>
+              <a:schemeClr val="bg1">
+                <a:lumMod val="95000"/>
+              </a:schemeClr>
+            </a:solidFill>
+            <a:ln w="12700" cap="flat" cmpd="sng" algn="ctr">
+              <a:noFill/>
+              <a:prstDash val="solid"/>
+              <a:miter lim="800000"/>
+            </a:ln>
+            <a:effectLst/>
+          </p:spPr>
+          <p:txBody>
+            <a:bodyPr lIns="73152" tIns="36576" rIns="73152" bIns="36576" rtlCol="0" anchor="ctr">
+              <a:noAutofit/>
+            </a:bodyPr>
+            <a:lstStyle>
+              <a:defPPr>
+                <a:defRPr lang="zh-CN"/>
+              </a:defPPr>
+              <a:lvl1pPr marL="0" algn="l" defTabSz="914400" rtl="0" eaLnBrk="1" latinLnBrk="0" hangingPunct="1">
+                <a:defRPr sz="1800" kern="1200">
+                  <a:solidFill>
+                    <a:schemeClr val="tx1"/>
+                  </a:solidFill>
+                  <a:latin typeface="+mn-lt"/>
+                  <a:ea typeface="+mn-ea"/>
+                  <a:cs typeface="+mn-cs"/>
+                </a:defRPr>
+              </a:lvl1pPr>
+              <a:lvl2pPr marL="457200" algn="l" defTabSz="914400" rtl="0" eaLnBrk="1" latinLnBrk="0" hangingPunct="1">
+                <a:defRPr sz="1800" kern="1200">
+                  <a:solidFill>
+                    <a:schemeClr val="tx1"/>
+                  </a:solidFill>
+                  <a:latin typeface="+mn-lt"/>
+                  <a:ea typeface="+mn-ea"/>
+                  <a:cs typeface="+mn-cs"/>
+                </a:defRPr>
+              </a:lvl2pPr>
+              <a:lvl3pPr marL="914400" algn="l" defTabSz="914400" rtl="0" eaLnBrk="1" latinLnBrk="0" hangingPunct="1">
+                <a:defRPr sz="1800" kern="1200">
+                  <a:solidFill>
+                    <a:schemeClr val="tx1"/>
+                  </a:solidFill>
+                  <a:latin typeface="+mn-lt"/>
+                  <a:ea typeface="+mn-ea"/>
+                  <a:cs typeface="+mn-cs"/>
+                </a:defRPr>
+              </a:lvl3pPr>
+              <a:lvl4pPr marL="1371600" algn="l" defTabSz="914400" rtl="0" eaLnBrk="1" latinLnBrk="0" hangingPunct="1">
+                <a:defRPr sz="1800" kern="1200">
+                  <a:solidFill>
+                    <a:schemeClr val="tx1"/>
+                  </a:solidFill>
+                  <a:latin typeface="+mn-lt"/>
+                  <a:ea typeface="+mn-ea"/>
+                  <a:cs typeface="+mn-cs"/>
+                </a:defRPr>
+              </a:lvl4pPr>
+              <a:lvl5pPr marL="1828800" algn="l" defTabSz="914400" rtl="0" eaLnBrk="1" latinLnBrk="0" hangingPunct="1">
+                <a:defRPr sz="1800" kern="1200">
+                  <a:solidFill>
+                    <a:schemeClr val="tx1"/>
+                  </a:solidFill>
+                  <a:latin typeface="+mn-lt"/>
+                  <a:ea typeface="+mn-ea"/>
+                  <a:cs typeface="+mn-cs"/>
+                </a:defRPr>
+              </a:lvl5pPr>
+              <a:lvl6pPr marL="2286000" algn="l" defTabSz="914400" rtl="0" eaLnBrk="1" latinLnBrk="0" hangingPunct="1">
+                <a:defRPr sz="1800" kern="1200">
+                  <a:solidFill>
+                    <a:schemeClr val="tx1"/>
+                  </a:solidFill>
+                  <a:latin typeface="+mn-lt"/>
+                  <a:ea typeface="+mn-ea"/>
+                  <a:cs typeface="+mn-cs"/>
+                </a:defRPr>
+              </a:lvl6pPr>
+              <a:lvl7pPr marL="2743200" algn="l" defTabSz="914400" rtl="0" eaLnBrk="1" latinLnBrk="0" hangingPunct="1">
+                <a:defRPr sz="1800" kern="1200">
+                  <a:solidFill>
+                    <a:schemeClr val="tx1"/>
+                  </a:solidFill>
+                  <a:latin typeface="+mn-lt"/>
+                  <a:ea typeface="+mn-ea"/>
+                  <a:cs typeface="+mn-cs"/>
+                </a:defRPr>
+              </a:lvl7pPr>
+              <a:lvl8pPr marL="3200400" algn="l" defTabSz="914400" rtl="0" eaLnBrk="1" latinLnBrk="0" hangingPunct="1">
+                <a:defRPr sz="1800" kern="1200">
+                  <a:solidFill>
+                    <a:schemeClr val="tx1"/>
+                  </a:solidFill>
+                  <a:latin typeface="+mn-lt"/>
+                  <a:ea typeface="+mn-ea"/>
+                  <a:cs typeface="+mn-cs"/>
+                </a:defRPr>
+              </a:lvl8pPr>
+              <a:lvl9pPr marL="3657600" algn="l" defTabSz="914400" rtl="0" eaLnBrk="1" latinLnBrk="0" hangingPunct="1">
+                <a:defRPr sz="1800" kern="1200">
+                  <a:solidFill>
+                    <a:schemeClr val="tx1"/>
+                  </a:solidFill>
+                  <a:latin typeface="+mn-lt"/>
+                  <a:ea typeface="+mn-ea"/>
+                  <a:cs typeface="+mn-cs"/>
+                </a:defRPr>
+              </a:lvl9pPr>
+            </a:lstStyle>
+            <a:p>
+              <a:pPr algn="ctr" eaLnBrk="0" hangingPunct="0">
+                <a:lnSpc>
+                  <a:spcPct val="100000"/>
+                </a:lnSpc>
+                <a:spcBef>
+                  <a:spcPct val="20000"/>
+                </a:spcBef>
+                <a:buFontTx/>
+                <a:buChar char="•"/>
+              </a:pPr>
+              <a:endParaRPr lang="zh-CN" altLang="en-US" sz="1440" dirty="0">
+                <a:solidFill>
+                  <a:prstClr val="white"/>
+                </a:solidFill>
+                <a:latin typeface="Arial"/>
+                <a:ea typeface="微软雅黑" panose="020B0503020204020204" pitchFamily="34" charset="-122"/>
+                <a:cs typeface="+mn-ea"/>
+                <a:sym typeface="+mn-lt"/>
+              </a:endParaRPr>
+            </a:p>
+          </p:txBody>
+        </p:sp>
+        <p:sp>
+          <p:nvSpPr>
+            <p:cNvPr id="33" name="矩形: 圆角 1055">
+              <a:extLst>
+                <a:ext uri="{FF2B5EF4-FFF2-40B4-BE49-F238E27FC236}">
+                  <a16:creationId xmlns:a16="http://schemas.microsoft.com/office/drawing/2014/main" id="{E08CECE4-D6F0-3647-A633-24C53F369C54}"/>
+                </a:ext>
+              </a:extLst>
+            </p:cNvPr>
+            <p:cNvSpPr/>
+            <p:nvPr/>
+          </p:nvSpPr>
+          <p:spPr>
+            <a:xfrm>
+              <a:off x="7239726" y="5271464"/>
+              <a:ext cx="2049622" cy="1155772"/>
+            </a:xfrm>
+            <a:prstGeom prst="roundRect">
+              <a:avLst>
+                <a:gd name="adj" fmla="val 4696"/>
+              </a:avLst>
+            </a:prstGeom>
+            <a:noFill/>
+            <a:ln w="22225">
+              <a:solidFill>
+                <a:srgbClr val="A32824">
+                  <a:alpha val="99000"/>
+                </a:srgbClr>
+              </a:solidFill>
+              <a:prstDash val="sysDash"/>
+              <a:round/>
+            </a:ln>
+          </p:spPr>
+          <p:style>
+            <a:lnRef idx="2">
+              <a:schemeClr val="accent1">
+                <a:shade val="50000"/>
+              </a:schemeClr>
+            </a:lnRef>
+            <a:fillRef idx="1">
+              <a:schemeClr val="accent1"/>
+            </a:fillRef>
+            <a:effectRef idx="0">
+              <a:schemeClr val="accent1"/>
+            </a:effectRef>
+            <a:fontRef idx="minor">
+              <a:schemeClr val="lt1"/>
+            </a:fontRef>
+          </p:style>
+          <p:txBody>
+            <a:bodyPr rtlCol="0" anchor="ctr"/>
+            <a:lstStyle/>
+            <a:p>
+              <a:pPr algn="ctr"/>
+              <a:endParaRPr lang="zh-CN" altLang="en-US" dirty="0">
+                <a:latin typeface="Abadi" panose="020B0604020104020204" pitchFamily="34" charset="0"/>
+                <a:ea typeface="微软雅黑" panose="020B0503020204020204" pitchFamily="34" charset="-122"/>
+              </a:endParaRPr>
+            </a:p>
+          </p:txBody>
+        </p:sp>
+        <p:sp>
+          <p:nvSpPr>
+            <p:cNvPr id="34" name="矩形: 圆角 1056">
+              <a:extLst>
+                <a:ext uri="{FF2B5EF4-FFF2-40B4-BE49-F238E27FC236}">
+                  <a16:creationId xmlns:a16="http://schemas.microsoft.com/office/drawing/2014/main" id="{AF4E52FE-59BE-1C4C-9364-524B49AC26CB}"/>
+                </a:ext>
+              </a:extLst>
+            </p:cNvPr>
+            <p:cNvSpPr/>
+            <p:nvPr/>
+          </p:nvSpPr>
+          <p:spPr>
+            <a:xfrm>
+              <a:off x="9378911" y="5271464"/>
+              <a:ext cx="2233536" cy="1155772"/>
+            </a:xfrm>
+            <a:prstGeom prst="roundRect">
+              <a:avLst>
+                <a:gd name="adj" fmla="val 4696"/>
+              </a:avLst>
+            </a:prstGeom>
+            <a:noFill/>
+            <a:ln w="22225">
+              <a:solidFill>
+                <a:srgbClr val="A32824">
+                  <a:alpha val="99000"/>
+                </a:srgbClr>
+              </a:solidFill>
+              <a:prstDash val="sysDash"/>
+              <a:round/>
+            </a:ln>
+          </p:spPr>
+          <p:style>
+            <a:lnRef idx="2">
+              <a:schemeClr val="accent1">
+                <a:shade val="50000"/>
+              </a:schemeClr>
+            </a:lnRef>
+            <a:fillRef idx="1">
+              <a:schemeClr val="accent1"/>
+            </a:fillRef>
+            <a:effectRef idx="0">
+              <a:schemeClr val="accent1"/>
+            </a:effectRef>
+            <a:fontRef idx="minor">
+              <a:schemeClr val="lt1"/>
+            </a:fontRef>
+          </p:style>
+          <p:txBody>
+            <a:bodyPr rtlCol="0" anchor="ctr"/>
+            <a:lstStyle/>
+            <a:p>
+              <a:pPr algn="ctr"/>
+              <a:endParaRPr lang="zh-CN" altLang="en-US" dirty="0">
+                <a:latin typeface="Abadi" panose="020B0604020104020204" pitchFamily="34" charset="0"/>
+                <a:ea typeface="微软雅黑" panose="020B0503020204020204" pitchFamily="34" charset="-122"/>
+              </a:endParaRPr>
+            </a:p>
+          </p:txBody>
+        </p:sp>
+      </p:grpSp>
+      <p:sp>
+        <p:nvSpPr>
+          <p:cNvPr id="35" name="文本框 34">
+            <a:extLst>
+              <a:ext uri="{FF2B5EF4-FFF2-40B4-BE49-F238E27FC236}">
+                <a16:creationId xmlns:a16="http://schemas.microsoft.com/office/drawing/2014/main" id="{DF61125B-CF39-EB42-9F87-94612199E8ED}"/>
+              </a:ext>
+            </a:extLst>
+          </p:cNvPr>
+          <p:cNvSpPr txBox="1"/>
+          <p:nvPr/>
+        </p:nvSpPr>
+        <p:spPr>
+          <a:xfrm>
+            <a:off x="7055007" y="994689"/>
+            <a:ext cx="4113739" cy="345094"/>
+          </a:xfrm>
+          <a:prstGeom prst="rect">
+            <a:avLst/>
+          </a:prstGeom>
+          <a:noFill/>
+        </p:spPr>
+        <p:txBody>
+          <a:bodyPr wrap="square">
+            <a:spAutoFit/>
+          </a:bodyPr>
+          <a:lstStyle/>
+          <a:p>
+            <a:pPr algn="ctr"/>
+            <a:r>
+              <a:rPr lang="zh-CN" altLang="en-US" sz="1400" b="1" dirty="0">
+                <a:solidFill>
+                  <a:srgbClr val="C00000"/>
+                </a:solidFill>
+                <a:latin typeface="微软雅黑" panose="020B0503020204020204" pitchFamily="34" charset="-122"/>
+                <a:ea typeface="微软雅黑" panose="020B0503020204020204" pitchFamily="34" charset="-122"/>
+              </a:rPr>
+              <a:t>大幅降低可重构网络部署运维难度、提升鲁棒性</a:t>
+            </a:r>
+          </a:p>
+        </p:txBody>
+      </p:sp>
+      <p:pic>
+        <p:nvPicPr>
+          <p:cNvPr id="36" name="图片 35">
+            <a:extLst>
+              <a:ext uri="{FF2B5EF4-FFF2-40B4-BE49-F238E27FC236}">
+                <a16:creationId xmlns:a16="http://schemas.microsoft.com/office/drawing/2014/main" id="{19181249-D95D-A749-911E-E5C1E2B4630A}"/>
+              </a:ext>
+            </a:extLst>
+          </p:cNvPr>
+          <p:cNvPicPr>
+            <a:picLocks noChangeAspect="1"/>
+          </p:cNvPicPr>
+          <p:nvPr/>
+        </p:nvPicPr>
+        <p:blipFill>
+          <a:blip r:embed="rId5"/>
+          <a:stretch/>
+        </p:blipFill>
+        <p:spPr>
+          <a:xfrm>
+            <a:off x="7173897" y="1368111"/>
+            <a:ext cx="1683510" cy="1046646"/>
+          </a:xfrm>
+          <a:prstGeom prst="rect">
+            <a:avLst/>
+          </a:prstGeom>
+        </p:spPr>
+      </p:pic>
+      <p:sp>
+        <p:nvSpPr>
+          <p:cNvPr id="37" name="文本框 36">
+            <a:extLst>
+              <a:ext uri="{FF2B5EF4-FFF2-40B4-BE49-F238E27FC236}">
+                <a16:creationId xmlns:a16="http://schemas.microsoft.com/office/drawing/2014/main" id="{C5F35A13-BC7D-2244-823D-56A4AEE3F224}"/>
+              </a:ext>
+            </a:extLst>
+          </p:cNvPr>
+          <p:cNvSpPr txBox="1"/>
+          <p:nvPr/>
+        </p:nvSpPr>
+        <p:spPr>
+          <a:xfrm>
+            <a:off x="8807906" y="1306171"/>
+            <a:ext cx="2360841" cy="1124860"/>
+          </a:xfrm>
+          <a:prstGeom prst="rect">
+            <a:avLst/>
+          </a:prstGeom>
+          <a:noFill/>
+        </p:spPr>
+        <p:txBody>
+          <a:bodyPr wrap="square">
+            <a:spAutoFit/>
+          </a:bodyPr>
+          <a:lstStyle/>
+          <a:p>
+            <a:pPr marL="171450" indent="-171450">
+              <a:buFont typeface="Arial" panose="020B0604020202020204" pitchFamily="34" charset="0"/>
+              <a:buChar char="•"/>
+            </a:pPr>
+            <a:r>
+              <a:rPr lang="zh-CN" altLang="en-US" sz="1050" dirty="0"/>
+              <a:t>截至 </a:t>
+            </a:r>
+            <a:r>
+              <a:rPr lang="en-US" altLang="zh-CN" sz="1050" dirty="0"/>
+              <a:t>2023 </a:t>
+            </a:r>
+            <a:r>
+              <a:rPr lang="zh-CN" altLang="en-US" sz="1050" dirty="0"/>
+              <a:t>年 </a:t>
+            </a:r>
+            <a:r>
+              <a:rPr lang="en-US" altLang="zh-CN" sz="1050" dirty="0"/>
+              <a:t>5 </a:t>
+            </a:r>
+            <a:r>
+              <a:rPr lang="zh-CN" altLang="en-US" sz="1050" dirty="0"/>
+              <a:t>月，仅有 </a:t>
+            </a:r>
+            <a:r>
+              <a:rPr lang="en-US" altLang="zh-CN" sz="1050" dirty="0"/>
+              <a:t>6 </a:t>
+            </a:r>
+            <a:r>
+              <a:rPr lang="zh-CN" altLang="en-US" sz="1050" dirty="0"/>
+              <a:t>篇非 </a:t>
+            </a:r>
+            <a:r>
+              <a:rPr lang="en-US" altLang="zh-CN" sz="1050" dirty="0"/>
+              <a:t>SIGCOMM/NSDI </a:t>
+            </a:r>
+            <a:r>
+              <a:rPr lang="zh-CN" altLang="en-US" sz="1050" dirty="0"/>
+              <a:t>的论文得到</a:t>
+            </a:r>
+            <a:r>
+              <a:rPr lang="en-US" altLang="zh-CN" sz="1050" dirty="0"/>
+              <a:t>NGDCN</a:t>
+            </a:r>
+            <a:r>
+              <a:rPr lang="zh-CN" altLang="en-US" sz="1050" dirty="0"/>
+              <a:t>的报道。</a:t>
+            </a:r>
+          </a:p>
+          <a:p>
+            <a:pPr marL="171450" indent="-171450">
+              <a:buFont typeface="Arial" panose="020B0604020202020204" pitchFamily="34" charset="0"/>
+              <a:buChar char="•"/>
+            </a:pPr>
+            <a:r>
+              <a:rPr lang="zh-CN" altLang="en-US" sz="1050" dirty="0"/>
+              <a:t>可重构慢切换</a:t>
+            </a:r>
+            <a:r>
+              <a:rPr lang="en-US" altLang="zh-CN" sz="1050" dirty="0"/>
+              <a:t>+</a:t>
+            </a:r>
+            <a:r>
+              <a:rPr lang="zh-CN" altLang="en-US" sz="1050" dirty="0"/>
+              <a:t>阈值分流方案受到华为和</a:t>
+            </a:r>
+            <a:r>
+              <a:rPr lang="en-US" altLang="zh-CN" sz="1050" dirty="0"/>
+              <a:t>MSRA</a:t>
+            </a:r>
+            <a:r>
+              <a:rPr lang="zh-CN" altLang="en-US" sz="1050" dirty="0"/>
+              <a:t>的密切关注和跟进。</a:t>
+            </a:r>
+          </a:p>
+        </p:txBody>
+      </p:sp>
+      <p:cxnSp>
+        <p:nvCxnSpPr>
+          <p:cNvPr id="38" name="直接连接符 1026">
+            <a:extLst>
+              <a:ext uri="{FF2B5EF4-FFF2-40B4-BE49-F238E27FC236}">
+                <a16:creationId xmlns:a16="http://schemas.microsoft.com/office/drawing/2014/main" id="{855831BC-DD75-AB41-8EB5-938AAA4B4706}"/>
+              </a:ext>
+            </a:extLst>
+          </p:cNvPr>
+          <p:cNvCxnSpPr>
+            <a:cxnSpLocks/>
+          </p:cNvCxnSpPr>
+          <p:nvPr/>
+        </p:nvCxnSpPr>
+        <p:spPr>
+          <a:xfrm>
+            <a:off x="7173897" y="2716086"/>
+            <a:ext cx="3909113" cy="0"/>
+          </a:xfrm>
+          <a:prstGeom prst="line">
+            <a:avLst/>
+          </a:prstGeom>
+          <a:ln w="12700">
+            <a:solidFill>
+              <a:srgbClr val="EEA391"/>
+            </a:solidFill>
+            <a:prstDash val="dash"/>
+          </a:ln>
+        </p:spPr>
+        <p:style>
+          <a:lnRef idx="1">
+            <a:schemeClr val="accent1"/>
+          </a:lnRef>
+          <a:fillRef idx="0">
+            <a:schemeClr val="accent1"/>
+          </a:fillRef>
+          <a:effectRef idx="0">
+            <a:schemeClr val="accent1"/>
+          </a:effectRef>
+          <a:fontRef idx="minor">
+            <a:schemeClr val="tx1"/>
+          </a:fontRef>
+        </p:style>
+      </p:cxnSp>
+      <p:sp>
+        <p:nvSpPr>
+          <p:cNvPr id="39" name="文本框 38">
+            <a:extLst>
+              <a:ext uri="{FF2B5EF4-FFF2-40B4-BE49-F238E27FC236}">
+                <a16:creationId xmlns:a16="http://schemas.microsoft.com/office/drawing/2014/main" id="{2BD3A8FA-AF63-4B42-972C-D3F848FB78B1}"/>
+              </a:ext>
+            </a:extLst>
+          </p:cNvPr>
+          <p:cNvSpPr txBox="1"/>
+          <p:nvPr/>
+        </p:nvSpPr>
+        <p:spPr>
+          <a:xfrm>
+            <a:off x="8666280" y="2357246"/>
+            <a:ext cx="1170346" cy="338554"/>
+          </a:xfrm>
+          <a:prstGeom prst="rect">
+            <a:avLst/>
+          </a:prstGeom>
+          <a:ln w="6350">
+            <a:prstDash val="solid"/>
+          </a:ln>
+        </p:spPr>
+        <p:txBody>
+          <a:bodyPr wrap="square">
+            <a:spAutoFit/>
+          </a:bodyPr>
+          <a:lstStyle/>
+          <a:p>
+            <a:pPr lvl="0"/>
+            <a:r>
+              <a:rPr lang="en-US" altLang="en-US" sz="1600" b="1" dirty="0">
+                <a:solidFill>
+                  <a:srgbClr val="C00000"/>
+                </a:solidFill>
+              </a:rPr>
+              <a:t>[ICNP 21]</a:t>
+            </a:r>
+          </a:p>
+        </p:txBody>
+      </p:sp>
+      <p:sp>
+        <p:nvSpPr>
+          <p:cNvPr id="40" name="文本框 39">
+            <a:extLst>
+              <a:ext uri="{FF2B5EF4-FFF2-40B4-BE49-F238E27FC236}">
+                <a16:creationId xmlns:a16="http://schemas.microsoft.com/office/drawing/2014/main" id="{C39E93A7-423A-6A44-A720-2F911D489D24}"/>
+              </a:ext>
+            </a:extLst>
+          </p:cNvPr>
+          <p:cNvSpPr txBox="1"/>
+          <p:nvPr/>
+        </p:nvSpPr>
+        <p:spPr>
+          <a:xfrm>
+            <a:off x="6889624" y="2756659"/>
+            <a:ext cx="4478520" cy="307777"/>
+          </a:xfrm>
+          <a:prstGeom prst="rect">
+            <a:avLst/>
+          </a:prstGeom>
+          <a:noFill/>
+        </p:spPr>
+        <p:txBody>
+          <a:bodyPr wrap="square">
+            <a:spAutoFit/>
+          </a:bodyPr>
+          <a:lstStyle/>
+          <a:p>
+            <a:pPr algn="ctr"/>
+            <a:r>
+              <a:rPr lang="zh-CN" altLang="en-US" sz="1400" dirty="0">
+                <a:solidFill>
+                  <a:srgbClr val="C00000"/>
+                </a:solidFill>
+                <a:latin typeface="微软雅黑" panose="020B0503020204020204" pitchFamily="34" charset="-122"/>
+                <a:ea typeface="微软雅黑" panose="020B0503020204020204" pitchFamily="34" charset="-122"/>
+              </a:rPr>
+              <a:t>在可重构网络中阈值分流路由</a:t>
+            </a:r>
+            <a:r>
+              <a:rPr lang="zh-CN" altLang="en-US" sz="1400" b="1" dirty="0">
+                <a:solidFill>
+                  <a:srgbClr val="C00000"/>
+                </a:solidFill>
+                <a:latin typeface="微软雅黑" panose="020B0503020204020204" pitchFamily="34" charset="-122"/>
+                <a:ea typeface="微软雅黑" panose="020B0503020204020204" pitchFamily="34" charset="-122"/>
+              </a:rPr>
+              <a:t>高效稳定</a:t>
+            </a:r>
+          </a:p>
+        </p:txBody>
+      </p:sp>
+      <p:cxnSp>
+        <p:nvCxnSpPr>
+          <p:cNvPr id="42" name="直接连接符 1042">
+            <a:extLst>
+              <a:ext uri="{FF2B5EF4-FFF2-40B4-BE49-F238E27FC236}">
+                <a16:creationId xmlns:a16="http://schemas.microsoft.com/office/drawing/2014/main" id="{0C0873E1-6B51-AB42-961C-1F61C7422103}"/>
+              </a:ext>
+            </a:extLst>
+          </p:cNvPr>
+          <p:cNvCxnSpPr>
+            <a:cxnSpLocks/>
+          </p:cNvCxnSpPr>
+          <p:nvPr/>
+        </p:nvCxnSpPr>
+        <p:spPr>
+          <a:xfrm>
+            <a:off x="7173897" y="4222420"/>
+            <a:ext cx="3909113" cy="0"/>
+          </a:xfrm>
+          <a:prstGeom prst="line">
+            <a:avLst/>
+          </a:prstGeom>
+          <a:ln w="12700">
+            <a:solidFill>
+              <a:srgbClr val="EEA391"/>
+            </a:solidFill>
+            <a:prstDash val="dash"/>
+          </a:ln>
+        </p:spPr>
+        <p:style>
+          <a:lnRef idx="1">
+            <a:schemeClr val="accent1"/>
+          </a:lnRef>
+          <a:fillRef idx="0">
+            <a:schemeClr val="accent1"/>
+          </a:fillRef>
+          <a:effectRef idx="0">
+            <a:schemeClr val="accent1"/>
+          </a:effectRef>
+          <a:fontRef idx="minor">
+            <a:schemeClr val="tx1"/>
+          </a:fontRef>
+        </p:style>
+      </p:cxnSp>
+      <p:sp>
+        <p:nvSpPr>
+          <p:cNvPr id="44" name="文本框 43">
+            <a:extLst>
+              <a:ext uri="{FF2B5EF4-FFF2-40B4-BE49-F238E27FC236}">
+                <a16:creationId xmlns:a16="http://schemas.microsoft.com/office/drawing/2014/main" id="{9B49D0C0-B4D1-8E4D-849B-718C54D3B6D8}"/>
+              </a:ext>
+            </a:extLst>
+          </p:cNvPr>
+          <p:cNvSpPr txBox="1"/>
+          <p:nvPr/>
+        </p:nvSpPr>
+        <p:spPr>
+          <a:xfrm>
+            <a:off x="8733189" y="3882119"/>
+            <a:ext cx="1212850" cy="338554"/>
+          </a:xfrm>
+          <a:prstGeom prst="rect">
+            <a:avLst/>
+          </a:prstGeom>
+          <a:ln w="6350">
+            <a:prstDash val="solid"/>
+          </a:ln>
+        </p:spPr>
+        <p:txBody>
+          <a:bodyPr>
+            <a:spAutoFit/>
+          </a:bodyPr>
+          <a:lstStyle>
+            <a:defPPr>
+              <a:defRPr lang="zh-CN"/>
+            </a:defPPr>
+            <a:lvl1pPr lvl="0">
+              <a:defRPr sz="1600" b="1">
+                <a:solidFill>
+                  <a:srgbClr val="C00000"/>
+                </a:solidFill>
+              </a:defRPr>
+            </a:lvl1pPr>
+          </a:lstStyle>
+          <a:p>
+            <a:r>
+              <a:rPr lang="en-US" altLang="en-US" dirty="0"/>
+              <a:t>[</a:t>
+            </a:r>
+            <a:r>
+              <a:rPr lang="en-US" altLang="en-US" sz="1600" b="1" dirty="0" err="1">
+                <a:solidFill>
+                  <a:srgbClr val="C00000"/>
+                </a:solidFill>
+              </a:rPr>
+              <a:t>ToN</a:t>
+            </a:r>
+            <a:r>
+              <a:rPr lang="en-US" altLang="en-US" sz="1600" b="1" dirty="0">
+                <a:solidFill>
+                  <a:srgbClr val="C00000"/>
+                </a:solidFill>
+              </a:rPr>
+              <a:t>  23</a:t>
+            </a:r>
+            <a:r>
+              <a:rPr lang="en-US" altLang="en-US" dirty="0"/>
+              <a:t>]</a:t>
+            </a:r>
+          </a:p>
+        </p:txBody>
+      </p:sp>
+      <p:sp>
+        <p:nvSpPr>
+          <p:cNvPr id="45" name="文本框 44">
+            <a:extLst>
+              <a:ext uri="{FF2B5EF4-FFF2-40B4-BE49-F238E27FC236}">
+                <a16:creationId xmlns:a16="http://schemas.microsoft.com/office/drawing/2014/main" id="{CECEE38D-3986-3740-BCB0-8356491EF53D}"/>
+              </a:ext>
+            </a:extLst>
+          </p:cNvPr>
+          <p:cNvSpPr txBox="1"/>
+          <p:nvPr/>
+        </p:nvSpPr>
+        <p:spPr>
+          <a:xfrm>
+            <a:off x="6879792" y="4224360"/>
+            <a:ext cx="4478520" cy="345094"/>
+          </a:xfrm>
+          <a:prstGeom prst="rect">
+            <a:avLst/>
+          </a:prstGeom>
+          <a:noFill/>
+        </p:spPr>
+        <p:txBody>
+          <a:bodyPr wrap="square">
+            <a:spAutoFit/>
+          </a:bodyPr>
+          <a:lstStyle/>
+          <a:p>
+            <a:pPr algn="ctr"/>
+            <a:r>
+              <a:rPr lang="zh-CN" altLang="en-US" sz="1400" dirty="0">
+                <a:solidFill>
+                  <a:srgbClr val="C00000"/>
+                </a:solidFill>
+                <a:latin typeface="微软雅黑" panose="020B0503020204020204" pitchFamily="34" charset="-122"/>
+                <a:ea typeface="微软雅黑" panose="020B0503020204020204" pitchFamily="34" charset="-122"/>
+              </a:rPr>
+              <a:t>可重构网络搭建前</a:t>
+            </a:r>
+            <a:r>
+              <a:rPr lang="zh-CN" altLang="en-US" sz="1400" b="1" dirty="0">
+                <a:solidFill>
+                  <a:srgbClr val="C00000"/>
+                </a:solidFill>
+                <a:latin typeface="微软雅黑" panose="020B0503020204020204" pitchFamily="34" charset="-122"/>
+                <a:ea typeface="微软雅黑" panose="020B0503020204020204" pitchFamily="34" charset="-122"/>
+              </a:rPr>
+              <a:t>吞吐性能和可拓展性分析</a:t>
+            </a:r>
+          </a:p>
+        </p:txBody>
+      </p:sp>
+      <p:pic>
+        <p:nvPicPr>
+          <p:cNvPr id="46" name="图片 45">
+            <a:extLst>
+              <a:ext uri="{FF2B5EF4-FFF2-40B4-BE49-F238E27FC236}">
+                <a16:creationId xmlns:a16="http://schemas.microsoft.com/office/drawing/2014/main" id="{927A2618-28F8-A449-BDA5-72758733F31E}"/>
+              </a:ext>
+            </a:extLst>
+          </p:cNvPr>
+          <p:cNvPicPr>
+            <a:picLocks noChangeAspect="1"/>
+          </p:cNvPicPr>
+          <p:nvPr/>
+        </p:nvPicPr>
+        <p:blipFill>
+          <a:blip r:embed="rId6">
+            <a:extLst>
+              <a:ext uri="{28A0092B-C50C-407E-A947-70E740481C1C}">
+                <a14:useLocalDpi xmlns:a14="http://schemas.microsoft.com/office/drawing/2010/main" val="0"/>
+              </a:ext>
+            </a:extLst>
+          </a:blip>
+          <a:srcRect/>
+          <a:stretch/>
+        </p:blipFill>
+        <p:spPr>
+          <a:xfrm>
+            <a:off x="7074754" y="4606239"/>
+            <a:ext cx="1805000" cy="693371"/>
+          </a:xfrm>
+          <a:prstGeom prst="rect">
+            <a:avLst/>
+          </a:prstGeom>
+        </p:spPr>
+      </p:pic>
+      <p:sp>
+        <p:nvSpPr>
+          <p:cNvPr id="47" name="文本框 46">
+            <a:extLst>
+              <a:ext uri="{FF2B5EF4-FFF2-40B4-BE49-F238E27FC236}">
+                <a16:creationId xmlns:a16="http://schemas.microsoft.com/office/drawing/2014/main" id="{D8E4A46D-C804-6949-8CAB-EA6308E01A87}"/>
+              </a:ext>
+            </a:extLst>
+          </p:cNvPr>
+          <p:cNvSpPr txBox="1"/>
+          <p:nvPr/>
+        </p:nvSpPr>
+        <p:spPr>
+          <a:xfrm>
+            <a:off x="7034765" y="5298165"/>
+            <a:ext cx="2304849" cy="289503"/>
+          </a:xfrm>
+          <a:prstGeom prst="rect">
+            <a:avLst/>
+          </a:prstGeom>
+          <a:ln w="6350">
+            <a:prstDash val="solid"/>
+          </a:ln>
+        </p:spPr>
+        <p:txBody>
+          <a:bodyPr wrap="square" lIns="91440" tIns="45720" rIns="91440" bIns="45720" anchor="t">
+            <a:spAutoFit/>
+          </a:bodyPr>
+          <a:lstStyle>
+            <a:defPPr>
+              <a:defRPr lang="zh-CN"/>
+            </a:defPPr>
+            <a:lvl1pPr lvl="0">
+              <a:defRPr sz="1600" b="1">
+                <a:solidFill>
+                  <a:srgbClr val="C00000"/>
+                </a:solidFill>
+              </a:defRPr>
+            </a:lvl1pPr>
+          </a:lstStyle>
+          <a:p>
+            <a:r>
+              <a:rPr lang="en-US" altLang="en-US" sz="1100" dirty="0"/>
+              <a:t>[</a:t>
+            </a:r>
+            <a:r>
+              <a:rPr lang="zh-CN" altLang="en-US" sz="1050"/>
+              <a:t>上交首篇 </a:t>
+            </a:r>
+            <a:r>
+              <a:rPr lang="en-US" altLang="en-US" sz="1100" dirty="0"/>
+              <a:t>SIGMETRICS 22]</a:t>
+            </a:r>
+            <a:endParaRPr lang="en-US" altLang="en-US" sz="1100" dirty="0">
+              <a:cs typeface="Arial"/>
+            </a:endParaRPr>
+          </a:p>
+        </p:txBody>
+      </p:sp>
+      <p:sp>
+        <p:nvSpPr>
+          <p:cNvPr id="48" name="文本框 47">
+            <a:extLst>
+              <a:ext uri="{FF2B5EF4-FFF2-40B4-BE49-F238E27FC236}">
+                <a16:creationId xmlns:a16="http://schemas.microsoft.com/office/drawing/2014/main" id="{0D888A53-E435-8341-A218-2053EE866C32}"/>
+              </a:ext>
+            </a:extLst>
+          </p:cNvPr>
+          <p:cNvSpPr txBox="1"/>
+          <p:nvPr/>
+        </p:nvSpPr>
+        <p:spPr>
+          <a:xfrm>
+            <a:off x="8998573" y="4710858"/>
+            <a:ext cx="2222088" cy="704745"/>
+          </a:xfrm>
+          <a:prstGeom prst="rect">
+            <a:avLst/>
+          </a:prstGeom>
+          <a:noFill/>
+        </p:spPr>
+        <p:txBody>
+          <a:bodyPr wrap="square">
+            <a:spAutoFit/>
+          </a:bodyPr>
+          <a:lstStyle>
+            <a:defPPr>
+              <a:defRPr lang="zh-CN"/>
+            </a:defPPr>
+            <a:lvl1pPr marL="171450" indent="-171450">
+              <a:buFont typeface="Arial" panose="020B0604020202020204" pitchFamily="34" charset="0"/>
+              <a:buChar char="•"/>
+              <a:defRPr sz="1050"/>
+            </a:lvl1pPr>
+          </a:lstStyle>
+          <a:p>
+            <a:pPr marL="0" indent="0">
+              <a:buNone/>
+            </a:pPr>
+            <a:r>
+              <a:rPr lang="zh-CN" altLang="en-US"/>
+              <a:t>超快速超大规模网络仿真器已开源</a:t>
+            </a:r>
+            <a:endParaRPr lang="en-US" altLang="zh-CN"/>
+          </a:p>
+          <a:p>
+            <a:r>
+              <a:rPr lang="zh-CN" altLang="en-US"/>
+              <a:t>被华为采纳</a:t>
+            </a:r>
+            <a:r>
+              <a:rPr lang="en-US" altLang="zh-CN"/>
+              <a:t>+</a:t>
+            </a:r>
+            <a:r>
+              <a:rPr lang="zh-CN" altLang="en-US"/>
+              <a:t>二次开发</a:t>
+            </a:r>
+            <a:endParaRPr lang="en-US" altLang="zh-CN"/>
+          </a:p>
+          <a:p>
+            <a:r>
+              <a:rPr lang="zh-CN" altLang="en-US"/>
+              <a:t>优秀技术合作项目成果奖</a:t>
+            </a:r>
+            <a:endParaRPr lang="zh-CN" altLang="zh-CN"/>
+          </a:p>
+        </p:txBody>
+      </p:sp>
+      <p:sp>
+        <p:nvSpPr>
+          <p:cNvPr id="49" name="矩形: 圆角 10">
+            <a:extLst>
+              <a:ext uri="{FF2B5EF4-FFF2-40B4-BE49-F238E27FC236}">
+                <a16:creationId xmlns:a16="http://schemas.microsoft.com/office/drawing/2014/main" id="{48BAD138-8DF4-AE41-885A-FA551C209224}"/>
+              </a:ext>
+            </a:extLst>
+          </p:cNvPr>
+          <p:cNvSpPr/>
+          <p:nvPr/>
+        </p:nvSpPr>
+        <p:spPr>
+          <a:xfrm>
+            <a:off x="11302518" y="1339784"/>
+            <a:ext cx="399468" cy="1091248"/>
+          </a:xfrm>
+          <a:prstGeom prst="roundRect">
+            <a:avLst>
+              <a:gd name="adj" fmla="val 14155"/>
+            </a:avLst>
+          </a:prstGeom>
+          <a:gradFill>
+            <a:gsLst>
+              <a:gs pos="15000">
+                <a:schemeClr val="bg1"/>
+              </a:gs>
+              <a:gs pos="71000">
+                <a:srgbClr val="FEF2E2"/>
+              </a:gs>
+            </a:gsLst>
+            <a:path path="circle">
+              <a:fillToRect r="100000" b="100000"/>
+            </a:path>
+          </a:gradFill>
+          <a:ln>
+            <a:noFill/>
+          </a:ln>
+          <a:effectLst>
+            <a:outerShdw blurRad="279400" dist="215900" dir="5400000" sx="80273" sy="80273" algn="t" rotWithShape="0">
+              <a:srgbClr val="DD3C2B">
+                <a:alpha val="20000"/>
+              </a:srgbClr>
+            </a:outerShdw>
+          </a:effectLst>
+        </p:spPr>
+        <p:style>
+          <a:lnRef idx="2">
+            <a:schemeClr val="accent1">
+              <a:shade val="50000"/>
+            </a:schemeClr>
+          </a:lnRef>
+          <a:fillRef idx="1">
+            <a:schemeClr val="accent1"/>
+          </a:fillRef>
+          <a:effectRef idx="0">
+            <a:schemeClr val="accent1"/>
+          </a:effectRef>
+          <a:fontRef idx="minor">
+            <a:schemeClr val="lt1"/>
+          </a:fontRef>
+        </p:style>
+        <p:txBody>
+          <a:bodyPr rtlCol="0" anchor="ctr"/>
+          <a:lstStyle/>
+          <a:p>
+            <a:pPr algn="ctr"/>
+            <a:r>
+              <a:rPr lang="zh-CN" altLang="en-US" sz="1400" b="1" dirty="0">
+                <a:gradFill flip="none" rotWithShape="1">
+                  <a:gsLst>
+                    <a:gs pos="4000">
+                      <a:srgbClr val="EEA391"/>
+                    </a:gs>
+                    <a:gs pos="61000">
+                      <a:srgbClr val="A32824"/>
+                    </a:gs>
+                  </a:gsLst>
+                  <a:lin ang="5400000" scaled="1"/>
+                  <a:tileRect/>
+                </a:gradFill>
+                <a:latin typeface="思源黑体 CN Bold"/>
+                <a:ea typeface="思源黑体 CN Bold"/>
+              </a:rPr>
+              <a:t>架构改进</a:t>
+            </a:r>
+            <a:endParaRPr lang="zh-CN" altLang="en-US" sz="1400" dirty="0">
+              <a:solidFill>
+                <a:schemeClr val="accent1"/>
+              </a:solidFill>
+            </a:endParaRPr>
+          </a:p>
+        </p:txBody>
+      </p:sp>
+      <p:sp>
+        <p:nvSpPr>
+          <p:cNvPr id="50" name="矩形: 圆角 10">
+            <a:extLst>
+              <a:ext uri="{FF2B5EF4-FFF2-40B4-BE49-F238E27FC236}">
+                <a16:creationId xmlns:a16="http://schemas.microsoft.com/office/drawing/2014/main" id="{5C838420-B9C5-BE47-8D56-0E258B98E94F}"/>
+              </a:ext>
+            </a:extLst>
+          </p:cNvPr>
+          <p:cNvSpPr/>
+          <p:nvPr/>
+        </p:nvSpPr>
+        <p:spPr>
+          <a:xfrm>
+            <a:off x="11312343" y="2863037"/>
+            <a:ext cx="399468" cy="1091248"/>
+          </a:xfrm>
+          <a:prstGeom prst="roundRect">
+            <a:avLst>
+              <a:gd name="adj" fmla="val 14155"/>
+            </a:avLst>
+          </a:prstGeom>
+          <a:gradFill>
+            <a:gsLst>
+              <a:gs pos="15000">
+                <a:schemeClr val="bg1"/>
+              </a:gs>
+              <a:gs pos="71000">
+                <a:srgbClr val="FEF2E2"/>
+              </a:gs>
+            </a:gsLst>
+            <a:path path="circle">
+              <a:fillToRect r="100000" b="100000"/>
+            </a:path>
+          </a:gradFill>
+          <a:ln>
+            <a:noFill/>
+          </a:ln>
+          <a:effectLst>
+            <a:outerShdw blurRad="279400" dist="215900" dir="5400000" sx="80273" sy="80273" algn="t" rotWithShape="0">
+              <a:srgbClr val="DD3C2B">
+                <a:alpha val="20000"/>
+              </a:srgbClr>
+            </a:outerShdw>
+          </a:effectLst>
+        </p:spPr>
+        <p:style>
+          <a:lnRef idx="2">
+            <a:schemeClr val="accent1">
+              <a:shade val="50000"/>
+            </a:schemeClr>
+          </a:lnRef>
+          <a:fillRef idx="1">
+            <a:schemeClr val="accent1"/>
+          </a:fillRef>
+          <a:effectRef idx="0">
+            <a:schemeClr val="accent1"/>
+          </a:effectRef>
+          <a:fontRef idx="minor">
+            <a:schemeClr val="lt1"/>
+          </a:fontRef>
+        </p:style>
+        <p:txBody>
+          <a:bodyPr rtlCol="0" anchor="ctr"/>
+          <a:lstStyle/>
+          <a:p>
+            <a:pPr algn="ctr"/>
+            <a:r>
+              <a:rPr lang="zh-CN" altLang="en-US" sz="1400" b="1" dirty="0">
+                <a:gradFill flip="none" rotWithShape="1">
+                  <a:gsLst>
+                    <a:gs pos="4000">
+                      <a:srgbClr val="EEA391"/>
+                    </a:gs>
+                    <a:gs pos="61000">
+                      <a:srgbClr val="A32824"/>
+                    </a:gs>
+                  </a:gsLst>
+                  <a:lin ang="5400000" scaled="1"/>
+                  <a:tileRect/>
+                </a:gradFill>
+                <a:latin typeface="思源黑体 CN Bold"/>
+                <a:ea typeface="思源黑体 CN Bold"/>
+              </a:rPr>
+              <a:t>策略升级</a:t>
+            </a:r>
+            <a:endParaRPr lang="zh-CN" altLang="en-US" sz="1400" dirty="0">
+              <a:solidFill>
+                <a:schemeClr val="accent1"/>
+              </a:solidFill>
+            </a:endParaRPr>
+          </a:p>
+        </p:txBody>
+      </p:sp>
+      <p:sp>
+        <p:nvSpPr>
+          <p:cNvPr id="51" name="矩形: 圆角 10">
+            <a:extLst>
+              <a:ext uri="{FF2B5EF4-FFF2-40B4-BE49-F238E27FC236}">
+                <a16:creationId xmlns:a16="http://schemas.microsoft.com/office/drawing/2014/main" id="{5631042F-5836-664B-81AE-91640339D758}"/>
+              </a:ext>
+            </a:extLst>
+          </p:cNvPr>
+          <p:cNvSpPr/>
+          <p:nvPr/>
+        </p:nvSpPr>
+        <p:spPr>
+          <a:xfrm>
+            <a:off x="11302518" y="4375344"/>
+            <a:ext cx="399468" cy="1091248"/>
+          </a:xfrm>
+          <a:prstGeom prst="roundRect">
+            <a:avLst>
+              <a:gd name="adj" fmla="val 14155"/>
+            </a:avLst>
+          </a:prstGeom>
+          <a:gradFill>
+            <a:gsLst>
+              <a:gs pos="15000">
+                <a:schemeClr val="bg1"/>
+              </a:gs>
+              <a:gs pos="71000">
+                <a:srgbClr val="FEF2E2"/>
+              </a:gs>
+            </a:gsLst>
+            <a:path path="circle">
+              <a:fillToRect r="100000" b="100000"/>
+            </a:path>
+          </a:gradFill>
+          <a:ln>
+            <a:noFill/>
+          </a:ln>
+          <a:effectLst>
+            <a:outerShdw blurRad="279400" dist="215900" dir="5400000" sx="80273" sy="80273" algn="t" rotWithShape="0">
+              <a:srgbClr val="DD3C2B">
+                <a:alpha val="20000"/>
+              </a:srgbClr>
+            </a:outerShdw>
+          </a:effectLst>
+        </p:spPr>
+        <p:style>
+          <a:lnRef idx="2">
+            <a:schemeClr val="accent1">
+              <a:shade val="50000"/>
+            </a:schemeClr>
+          </a:lnRef>
+          <a:fillRef idx="1">
+            <a:schemeClr val="accent1"/>
+          </a:fillRef>
+          <a:effectRef idx="0">
+            <a:schemeClr val="accent1"/>
+          </a:effectRef>
+          <a:fontRef idx="minor">
+            <a:schemeClr val="lt1"/>
+          </a:fontRef>
+        </p:style>
+        <p:txBody>
+          <a:bodyPr rtlCol="0" anchor="ctr"/>
+          <a:lstStyle/>
+          <a:p>
+            <a:pPr algn="ctr"/>
+            <a:r>
+              <a:rPr lang="zh-CN" altLang="en-US" sz="1400" b="1" dirty="0">
+                <a:gradFill flip="none" rotWithShape="1">
+                  <a:gsLst>
+                    <a:gs pos="4000">
+                      <a:srgbClr val="EEA391"/>
+                    </a:gs>
+                    <a:gs pos="61000">
+                      <a:srgbClr val="A32824"/>
+                    </a:gs>
+                  </a:gsLst>
+                  <a:lin ang="5400000" scaled="1"/>
+                  <a:tileRect/>
+                </a:gradFill>
+                <a:latin typeface="思源黑体 CN Bold"/>
+                <a:ea typeface="思源黑体 CN Bold"/>
+              </a:rPr>
+              <a:t>理论突破</a:t>
+            </a:r>
+            <a:endParaRPr lang="zh-CN" altLang="en-US" sz="1400" dirty="0">
+              <a:solidFill>
+                <a:schemeClr val="accent1"/>
+              </a:solidFill>
+            </a:endParaRPr>
+          </a:p>
+        </p:txBody>
+      </p:sp>
+      <p:pic>
+        <p:nvPicPr>
+          <p:cNvPr id="53" name="图片 52">
+            <a:extLst>
+              <a:ext uri="{FF2B5EF4-FFF2-40B4-BE49-F238E27FC236}">
+                <a16:creationId xmlns:a16="http://schemas.microsoft.com/office/drawing/2014/main" id="{D3000EFB-4256-6B47-B5C1-CF1E4BD8D9D8}"/>
+              </a:ext>
+            </a:extLst>
+          </p:cNvPr>
+          <p:cNvPicPr>
+            <a:picLocks noChangeAspect="1"/>
+          </p:cNvPicPr>
+          <p:nvPr/>
+        </p:nvPicPr>
+        <p:blipFill>
+          <a:blip r:embed="rId7"/>
+          <a:stretch>
+            <a:fillRect/>
+          </a:stretch>
+        </p:blipFill>
+        <p:spPr>
+          <a:xfrm>
+            <a:off x="6932111" y="3058978"/>
+            <a:ext cx="2662729" cy="869462"/>
+          </a:xfrm>
+          <a:prstGeom prst="rect">
+            <a:avLst/>
+          </a:prstGeom>
+        </p:spPr>
+      </p:pic>
+      <p:pic>
+        <p:nvPicPr>
+          <p:cNvPr id="54" name="图片 53">
+            <a:extLst>
+              <a:ext uri="{FF2B5EF4-FFF2-40B4-BE49-F238E27FC236}">
+                <a16:creationId xmlns:a16="http://schemas.microsoft.com/office/drawing/2014/main" id="{79AF79E0-F29F-284C-B24C-F7D293A73299}"/>
+              </a:ext>
+            </a:extLst>
+          </p:cNvPr>
+          <p:cNvPicPr>
+            <a:picLocks noChangeAspect="1"/>
+          </p:cNvPicPr>
+          <p:nvPr/>
+        </p:nvPicPr>
+        <p:blipFill>
+          <a:blip r:embed="rId8"/>
+          <a:stretch>
+            <a:fillRect/>
+          </a:stretch>
+        </p:blipFill>
+        <p:spPr>
+          <a:xfrm>
+            <a:off x="9647158" y="3089078"/>
+            <a:ext cx="1521588" cy="791747"/>
+          </a:xfrm>
+          <a:prstGeom prst="rect">
+            <a:avLst/>
+          </a:prstGeom>
+        </p:spPr>
+      </p:pic>
+    </p:spTree>
+    <p:extLst>
+      <p:ext uri="{BB962C8B-B14F-4D97-AF65-F5344CB8AC3E}">
+        <p14:creationId xmlns:p14="http://schemas.microsoft.com/office/powerpoint/2010/main" val="2910644486"/>
+      </p:ext>
+    </p:extLst>
   </p:cSld>
   <p:clrMapOvr>
     <a:masterClrMapping/>
